--- a/CookWithMe.pptx
+++ b/CookWithMe.pptx
@@ -8,11 +8,11 @@
   <p:sldIdLst>
     <p:sldId id="256" r:id="rId3"/>
     <p:sldId id="257" r:id="rId4"/>
-    <p:sldId id="259" r:id="rId5"/>
-    <p:sldId id="260" r:id="rId6"/>
-    <p:sldId id="261" r:id="rId7"/>
-    <p:sldId id="262" r:id="rId8"/>
-    <p:sldId id="263" r:id="rId9"/>
+    <p:sldId id="274" r:id="rId5"/>
+    <p:sldId id="259" r:id="rId6"/>
+    <p:sldId id="260" r:id="rId7"/>
+    <p:sldId id="261" r:id="rId8"/>
+    <p:sldId id="262" r:id="rId9"/>
     <p:sldId id="265" r:id="rId10"/>
     <p:sldId id="266" r:id="rId11"/>
     <p:sldId id="267" r:id="rId12"/>
@@ -9271,28 +9271,165 @@
             </a:lvl9pPr>
           </a:lstStyle>
           <a:p>
-            <a:r>
-              <a:rPr lang="en-US" dirty="0"/>
+            <a:pPr marL="285750" marR="0" lvl="0" indent="-285750" algn="l" defTabSz="457200" rtl="0" eaLnBrk="1" fontAlgn="auto" latinLnBrk="0" hangingPunct="1">
+              <a:lnSpc>
+                <a:spcPct val="100000"/>
+              </a:lnSpc>
+              <a:spcBef>
+                <a:spcPct val="20000"/>
+              </a:spcBef>
+              <a:spcAft>
+                <a:spcPts val="600"/>
+              </a:spcAft>
+              <a:buClr>
+                <a:srgbClr val="83992A"/>
+              </a:buClr>
+              <a:buSzPct val="115000"/>
+              <a:buFont typeface="Arial"/>
+              <a:buChar char="•"/>
+              <a:tabLst/>
+              <a:defRPr/>
+            </a:pPr>
+            <a:r>
+              <a:rPr kumimoji="0" lang="en-US" sz="2400" b="0" i="0" u="none" strike="noStrike" kern="1200" cap="none" spc="0" normalizeH="0" baseline="0" noProof="0" dirty="0">
+                <a:ln>
+                  <a:noFill/>
+                </a:ln>
+                <a:solidFill>
+                  <a:prstClr val="black">
+                    <a:lumMod val="85000"/>
+                    <a:lumOff val="15000"/>
+                  </a:prstClr>
+                </a:solidFill>
+                <a:effectLst/>
+                <a:uLnTx/>
+                <a:uFillTx/>
+                <a:latin typeface="Garamond" panose="02020404030301010803"/>
+                <a:ea typeface="+mn-ea"/>
+                <a:cs typeface="+mn-cs"/>
+              </a:rPr>
               <a:t>Most of the members cook for need </a:t>
             </a:r>
           </a:p>
           <a:p>
-            <a:r>
-              <a:rPr lang="en-US" dirty="0"/>
+            <a:pPr marL="285750" marR="0" lvl="0" indent="-285750" algn="l" defTabSz="457200" rtl="0" eaLnBrk="1" fontAlgn="auto" latinLnBrk="0" hangingPunct="1">
+              <a:lnSpc>
+                <a:spcPct val="100000"/>
+              </a:lnSpc>
+              <a:spcBef>
+                <a:spcPct val="20000"/>
+              </a:spcBef>
+              <a:spcAft>
+                <a:spcPts val="600"/>
+              </a:spcAft>
+              <a:buClr>
+                <a:srgbClr val="83992A"/>
+              </a:buClr>
+              <a:buSzPct val="115000"/>
+              <a:buFont typeface="Arial"/>
+              <a:buChar char="•"/>
+              <a:tabLst/>
+              <a:defRPr/>
+            </a:pPr>
+            <a:r>
+              <a:rPr kumimoji="0" lang="en-US" sz="2400" b="0" i="0" u="none" strike="noStrike" kern="1200" cap="none" spc="0" normalizeH="0" baseline="0" noProof="0" dirty="0">
+                <a:ln>
+                  <a:noFill/>
+                </a:ln>
+                <a:solidFill>
+                  <a:prstClr val="black">
+                    <a:lumMod val="85000"/>
+                    <a:lumOff val="15000"/>
+                  </a:prstClr>
+                </a:solidFill>
+                <a:effectLst/>
+                <a:uLnTx/>
+                <a:uFillTx/>
+                <a:latin typeface="Garamond" panose="02020404030301010803"/>
+                <a:ea typeface="+mn-ea"/>
+                <a:cs typeface="+mn-cs"/>
+              </a:rPr>
               <a:t>They find recipes giallozafferano.it, </a:t>
             </a:r>
             <a:r>
-              <a:rPr lang="en-US" dirty="0" err="1"/>
+              <a:rPr kumimoji="0" lang="en-US" sz="2400" b="0" i="0" u="none" strike="noStrike" kern="1200" cap="none" spc="0" normalizeH="0" baseline="0" noProof="0" dirty="0" err="1">
+                <a:ln>
+                  <a:noFill/>
+                </a:ln>
+                <a:solidFill>
+                  <a:prstClr val="black">
+                    <a:lumMod val="85000"/>
+                    <a:lumOff val="15000"/>
+                  </a:prstClr>
+                </a:solidFill>
+                <a:effectLst/>
+                <a:uLnTx/>
+                <a:uFillTx/>
+                <a:latin typeface="Garamond" panose="02020404030301010803"/>
+                <a:ea typeface="+mn-ea"/>
+                <a:cs typeface="+mn-cs"/>
+              </a:rPr>
               <a:t>Youtube</a:t>
             </a:r>
             <a:r>
-              <a:rPr lang="en-US" dirty="0"/>
+              <a:rPr kumimoji="0" lang="en-US" sz="2400" b="0" i="0" u="none" strike="noStrike" kern="1200" cap="none" spc="0" normalizeH="0" baseline="0" noProof="0" dirty="0">
+                <a:ln>
+                  <a:noFill/>
+                </a:ln>
+                <a:solidFill>
+                  <a:prstClr val="black">
+                    <a:lumMod val="85000"/>
+                    <a:lumOff val="15000"/>
+                  </a:prstClr>
+                </a:solidFill>
+                <a:effectLst/>
+                <a:uLnTx/>
+                <a:uFillTx/>
+                <a:latin typeface="Garamond" panose="02020404030301010803"/>
+                <a:ea typeface="+mn-ea"/>
+                <a:cs typeface="+mn-cs"/>
+              </a:rPr>
               <a:t>, chefincamicia.com, mysia.info</a:t>
             </a:r>
           </a:p>
           <a:p>
-            <a:r>
-              <a:rPr lang="en-US" dirty="0"/>
+            <a:pPr marL="285750" marR="0" lvl="0" indent="-285750" algn="l" defTabSz="457200" rtl="0" eaLnBrk="1" fontAlgn="auto" latinLnBrk="0" hangingPunct="1">
+              <a:lnSpc>
+                <a:spcPct val="100000"/>
+              </a:lnSpc>
+              <a:spcBef>
+                <a:spcPct val="20000"/>
+              </a:spcBef>
+              <a:spcAft>
+                <a:spcPts val="600"/>
+              </a:spcAft>
+              <a:buClr>
+                <a:srgbClr val="83992A"/>
+              </a:buClr>
+              <a:buSzPct val="115000"/>
+              <a:buFont typeface="Arial"/>
+              <a:buChar char="•"/>
+              <a:tabLst/>
+              <a:defRPr/>
+            </a:pPr>
+            <a:r>
+              <a:rPr kumimoji="0" lang="en-US" sz="2400" b="0" i="0" u="none" strike="noStrike" kern="1200" cap="none" spc="0" normalizeH="0" baseline="0" noProof="0" dirty="0">
+                <a:ln>
+                  <a:noFill/>
+                </a:ln>
+                <a:solidFill>
+                  <a:prstClr val="black">
+                    <a:lumMod val="85000"/>
+                    <a:lumOff val="15000"/>
+                  </a:prstClr>
+                </a:solidFill>
+                <a:effectLst/>
+                <a:uLnTx/>
+                <a:uFillTx/>
+                <a:latin typeface="Garamond" panose="02020404030301010803"/>
+                <a:ea typeface="+mn-ea"/>
+                <a:cs typeface="+mn-cs"/>
+              </a:rPr>
               <a:t>All of them struggles to combine ingredient sometimes</a:t>
             </a:r>
           </a:p>
@@ -9326,8 +9463,38 @@
           </a:bodyPr>
           <a:lstStyle/>
           <a:p>
-            <a:r>
-              <a:rPr lang="en-GB" sz="2000" b="1" dirty="0"/>
+            <a:pPr marL="0" marR="0" lvl="0" indent="0" algn="l" defTabSz="914400" rtl="0" eaLnBrk="1" fontAlgn="auto" latinLnBrk="0" hangingPunct="1">
+              <a:lnSpc>
+                <a:spcPct val="100000"/>
+              </a:lnSpc>
+              <a:spcBef>
+                <a:spcPts val="0"/>
+              </a:spcBef>
+              <a:spcAft>
+                <a:spcPts val="0"/>
+              </a:spcAft>
+              <a:buClrTx/>
+              <a:buSzTx/>
+              <a:buFontTx/>
+              <a:buNone/>
+              <a:tabLst/>
+              <a:defRPr/>
+            </a:pPr>
+            <a:r>
+              <a:rPr kumimoji="0" lang="en-GB" sz="2000" b="1" i="0" u="none" strike="noStrike" kern="1200" cap="none" spc="0" normalizeH="0" baseline="0" noProof="0" dirty="0">
+                <a:ln>
+                  <a:noFill/>
+                </a:ln>
+                <a:solidFill>
+                  <a:prstClr val="black"/>
+                </a:solidFill>
+                <a:effectLst/>
+                <a:uLnTx/>
+                <a:uFillTx/>
+                <a:latin typeface="Garamond" panose="02020404030301010803"/>
+                <a:ea typeface="+mn-ea"/>
+                <a:cs typeface="+mn-cs"/>
+              </a:rPr>
               <a:t>Questions</a:t>
             </a:r>
           </a:p>
@@ -9361,8 +9528,38 @@
           </a:bodyPr>
           <a:lstStyle/>
           <a:p>
-            <a:r>
-              <a:rPr lang="en-GB" sz="2000" b="1" dirty="0"/>
+            <a:pPr marL="0" marR="0" lvl="0" indent="0" algn="l" defTabSz="914400" rtl="0" eaLnBrk="1" fontAlgn="auto" latinLnBrk="0" hangingPunct="1">
+              <a:lnSpc>
+                <a:spcPct val="100000"/>
+              </a:lnSpc>
+              <a:spcBef>
+                <a:spcPts val="0"/>
+              </a:spcBef>
+              <a:spcAft>
+                <a:spcPts val="0"/>
+              </a:spcAft>
+              <a:buClrTx/>
+              <a:buSzTx/>
+              <a:buFontTx/>
+              <a:buNone/>
+              <a:tabLst/>
+              <a:defRPr/>
+            </a:pPr>
+            <a:r>
+              <a:rPr kumimoji="0" lang="en-GB" sz="2000" b="1" i="0" u="none" strike="noStrike" kern="1200" cap="none" spc="0" normalizeH="0" baseline="0" noProof="0" dirty="0">
+                <a:ln>
+                  <a:noFill/>
+                </a:ln>
+                <a:solidFill>
+                  <a:prstClr val="black"/>
+                </a:solidFill>
+                <a:effectLst/>
+                <a:uLnTx/>
+                <a:uFillTx/>
+                <a:latin typeface="Garamond" panose="02020404030301010803"/>
+                <a:ea typeface="+mn-ea"/>
+                <a:cs typeface="+mn-cs"/>
+              </a:rPr>
               <a:t>Answers</a:t>
             </a:r>
           </a:p>
@@ -9371,7 +9568,7 @@
     </p:spTree>
     <p:extLst>
       <p:ext uri="{BB962C8B-B14F-4D97-AF65-F5344CB8AC3E}">
-        <p14:creationId xmlns:p14="http://schemas.microsoft.com/office/powerpoint/2010/main" val="3353605121"/>
+        <p14:creationId xmlns:p14="http://schemas.microsoft.com/office/powerpoint/2010/main" val="411639793"/>
       </p:ext>
     </p:extLst>
   </p:cSld>
@@ -9468,7 +9665,7 @@
     </p:spTree>
     <p:extLst>
       <p:ext uri="{BB962C8B-B14F-4D97-AF65-F5344CB8AC3E}">
-        <p14:creationId xmlns:p14="http://schemas.microsoft.com/office/powerpoint/2010/main" val="794760701"/>
+        <p14:creationId xmlns:p14="http://schemas.microsoft.com/office/powerpoint/2010/main" val="3707567470"/>
       </p:ext>
     </p:extLst>
   </p:cSld>
@@ -9585,7 +9782,7 @@
     </p:spTree>
     <p:extLst>
       <p:ext uri="{BB962C8B-B14F-4D97-AF65-F5344CB8AC3E}">
-        <p14:creationId xmlns:p14="http://schemas.microsoft.com/office/powerpoint/2010/main" val="2686289215"/>
+        <p14:creationId xmlns:p14="http://schemas.microsoft.com/office/powerpoint/2010/main" val="1191548828"/>
       </p:ext>
     </p:extLst>
   </p:cSld>
@@ -9695,7 +9892,7 @@
     </p:spTree>
     <p:extLst>
       <p:ext uri="{BB962C8B-B14F-4D97-AF65-F5344CB8AC3E}">
-        <p14:creationId xmlns:p14="http://schemas.microsoft.com/office/powerpoint/2010/main" val="1098454404"/>
+        <p14:creationId xmlns:p14="http://schemas.microsoft.com/office/powerpoint/2010/main" val="3974973235"/>
       </p:ext>
     </p:extLst>
   </p:cSld>
@@ -9799,7 +9996,7 @@
     </p:spTree>
     <p:extLst>
       <p:ext uri="{BB962C8B-B14F-4D97-AF65-F5344CB8AC3E}">
-        <p14:creationId xmlns:p14="http://schemas.microsoft.com/office/powerpoint/2010/main" val="1196896929"/>
+        <p14:creationId xmlns:p14="http://schemas.microsoft.com/office/powerpoint/2010/main" val="3288502427"/>
       </p:ext>
     </p:extLst>
   </p:cSld>
@@ -9898,7 +10095,7 @@
     </p:spTree>
     <p:extLst>
       <p:ext uri="{BB962C8B-B14F-4D97-AF65-F5344CB8AC3E}">
-        <p14:creationId xmlns:p14="http://schemas.microsoft.com/office/powerpoint/2010/main" val="1436672699"/>
+        <p14:creationId xmlns:p14="http://schemas.microsoft.com/office/powerpoint/2010/main" val="1545865788"/>
       </p:ext>
     </p:extLst>
   </p:cSld>
@@ -9997,7 +10194,7 @@
     </p:spTree>
     <p:extLst>
       <p:ext uri="{BB962C8B-B14F-4D97-AF65-F5344CB8AC3E}">
-        <p14:creationId xmlns:p14="http://schemas.microsoft.com/office/powerpoint/2010/main" val="81556081"/>
+        <p14:creationId xmlns:p14="http://schemas.microsoft.com/office/powerpoint/2010/main" val="2023179001"/>
       </p:ext>
     </p:extLst>
   </p:cSld>
@@ -10547,6 +10744,240 @@
           <a:lstStyle/>
           <a:p>
             <a:r>
+              <a:rPr lang="it-IT" dirty="0"/>
+              <a:t>Target Users</a:t>
+            </a:r>
+          </a:p>
+        </p:txBody>
+      </p:sp>
+      <p:sp>
+        <p:nvSpPr>
+          <p:cNvPr id="11" name="Segnaposto contenuto 10">
+            <a:extLst>
+              <a:ext uri="{FF2B5EF4-FFF2-40B4-BE49-F238E27FC236}">
+                <a16:creationId xmlns:a16="http://schemas.microsoft.com/office/drawing/2014/main" id="{81400C55-95CF-467A-94BA-7919C6ACC256}"/>
+              </a:ext>
+            </a:extLst>
+          </p:cNvPr>
+          <p:cNvSpPr>
+            <a:spLocks noGrp="1"/>
+          </p:cNvSpPr>
+          <p:nvPr>
+            <p:ph sz="half" idx="1"/>
+          </p:nvPr>
+        </p:nvSpPr>
+        <p:spPr/>
+        <p:txBody>
+          <a:bodyPr>
+            <a:normAutofit/>
+          </a:bodyPr>
+          <a:lstStyle/>
+          <a:p>
+            <a:r>
+              <a:rPr lang="en-US" sz="2800" dirty="0"/>
+              <a:t>Age: 18 – 30</a:t>
+            </a:r>
+          </a:p>
+          <a:p>
+            <a:r>
+              <a:rPr lang="en-US" sz="2800" dirty="0"/>
+              <a:t>Gender: male and female</a:t>
+            </a:r>
+          </a:p>
+          <a:p>
+            <a:r>
+              <a:rPr lang="en-US" sz="2800" dirty="0"/>
+              <a:t>Occupation: any</a:t>
+            </a:r>
+          </a:p>
+          <a:p>
+            <a:r>
+              <a:rPr lang="en-US" sz="2800" dirty="0"/>
+              <a:t>Education: any</a:t>
+            </a:r>
+          </a:p>
+          <a:p>
+            <a:pPr marL="0" indent="0">
+              <a:buNone/>
+            </a:pPr>
+            <a:endParaRPr lang="en-US" sz="2800" dirty="0"/>
+          </a:p>
+        </p:txBody>
+      </p:sp>
+      <p:sp>
+        <p:nvSpPr>
+          <p:cNvPr id="12" name="Segnaposto contenuto 11">
+            <a:extLst>
+              <a:ext uri="{FF2B5EF4-FFF2-40B4-BE49-F238E27FC236}">
+                <a16:creationId xmlns:a16="http://schemas.microsoft.com/office/drawing/2014/main" id="{EEDDB5CE-2413-49E9-B8C5-CB265A53D736}"/>
+              </a:ext>
+            </a:extLst>
+          </p:cNvPr>
+          <p:cNvSpPr>
+            <a:spLocks noGrp="1"/>
+          </p:cNvSpPr>
+          <p:nvPr>
+            <p:ph sz="half" idx="2"/>
+          </p:nvPr>
+        </p:nvSpPr>
+        <p:spPr/>
+        <p:txBody>
+          <a:bodyPr>
+            <a:normAutofit/>
+          </a:bodyPr>
+          <a:lstStyle/>
+          <a:p>
+            <a:r>
+              <a:rPr lang="en-US" sz="2800" dirty="0"/>
+              <a:t>Location: Italy</a:t>
+            </a:r>
+          </a:p>
+          <a:p>
+            <a:r>
+              <a:rPr lang="en-US" sz="2800" dirty="0"/>
+              <a:t>Technology: familiar with apps</a:t>
+            </a:r>
+          </a:p>
+          <a:p>
+            <a:r>
+              <a:rPr lang="en-US" sz="2800" dirty="0"/>
+              <a:t>Passion: cooking </a:t>
+            </a:r>
+          </a:p>
+          <a:p>
+            <a:endParaRPr lang="en-GB" sz="2800" dirty="0"/>
+          </a:p>
+        </p:txBody>
+      </p:sp>
+      <p:sp>
+        <p:nvSpPr>
+          <p:cNvPr id="7" name="Rectangle 3"/>
+          <p:cNvSpPr>
+            <a:spLocks noChangeArrowheads="1"/>
+          </p:cNvSpPr>
+          <p:nvPr/>
+        </p:nvSpPr>
+        <p:spPr bwMode="auto">
+          <a:xfrm>
+            <a:off x="0" y="102920"/>
+            <a:ext cx="65" cy="251359"/>
+          </a:xfrm>
+          <a:prstGeom prst="rect">
+            <a:avLst/>
+          </a:prstGeom>
+          <a:solidFill>
+            <a:srgbClr val="F8F9FA"/>
+          </a:solidFill>
+          <a:ln>
+            <a:noFill/>
+          </a:ln>
+          <a:effectLst/>
+          <a:extLst>
+            <a:ext uri="{91240B29-F687-4F45-9708-019B960494DF}">
+              <a14:hiddenLine xmlns:a14="http://schemas.microsoft.com/office/drawing/2010/main" w="9525">
+                <a:solidFill>
+                  <a:schemeClr val="tx1"/>
+                </a:solidFill>
+                <a:miter lim="800000"/>
+                <a:headEnd/>
+                <a:tailEnd/>
+              </a14:hiddenLine>
+            </a:ext>
+            <a:ext uri="{AF507438-7753-43E0-B8FC-AC1667EBCBE1}">
+              <a14:hiddenEffects xmlns:a14="http://schemas.microsoft.com/office/drawing/2010/main">
+                <a:effectLst>
+                  <a:outerShdw dist="35921" dir="2700000" algn="ctr" rotWithShape="0">
+                    <a:schemeClr val="bg2"/>
+                  </a:outerShdw>
+                </a:effectLst>
+              </a14:hiddenEffects>
+            </a:ext>
+          </a:extLst>
+        </p:spPr>
+        <p:txBody>
+          <a:bodyPr vert="horz" wrap="none" lIns="0" tIns="-12696" rIns="0" bIns="-12696" numCol="1" anchor="ctr" anchorCtr="0" compatLnSpc="1">
+            <a:prstTxWarp prst="textNoShape">
+              <a:avLst/>
+            </a:prstTxWarp>
+            <a:spAutoFit/>
+          </a:bodyPr>
+          <a:lstStyle/>
+          <a:p>
+            <a:pPr marL="0" marR="0" lvl="0" indent="0" algn="l" defTabSz="914400" rtl="0" eaLnBrk="0" fontAlgn="base" latinLnBrk="0" hangingPunct="0">
+              <a:lnSpc>
+                <a:spcPct val="100000"/>
+              </a:lnSpc>
+              <a:spcBef>
+                <a:spcPct val="0"/>
+              </a:spcBef>
+              <a:spcAft>
+                <a:spcPct val="0"/>
+              </a:spcAft>
+              <a:buClrTx/>
+              <a:buSzTx/>
+              <a:buFontTx/>
+              <a:buNone/>
+              <a:tabLst/>
+            </a:pPr>
+            <a:endParaRPr kumimoji="0" lang="it-IT" altLang="it-IT" sz="1800" b="0" i="0" u="none" strike="noStrike" cap="none" normalizeH="0" baseline="0" dirty="0">
+              <a:ln>
+                <a:noFill/>
+              </a:ln>
+              <a:solidFill>
+                <a:schemeClr val="tx1"/>
+              </a:solidFill>
+              <a:effectLst/>
+              <a:latin typeface="Arial" panose="020B0604020202020204" pitchFamily="34" charset="0"/>
+            </a:endParaRPr>
+          </a:p>
+        </p:txBody>
+      </p:sp>
+    </p:spTree>
+    <p:extLst>
+      <p:ext uri="{BB962C8B-B14F-4D97-AF65-F5344CB8AC3E}">
+        <p14:creationId xmlns:p14="http://schemas.microsoft.com/office/powerpoint/2010/main" val="3558806385"/>
+      </p:ext>
+    </p:extLst>
+  </p:cSld>
+  <p:clrMapOvr>
+    <a:masterClrMapping/>
+  </p:clrMapOvr>
+</p:sld>
+</file>
+
+<file path=ppt/slides/slide4.xml><?xml version="1.0" encoding="utf-8"?>
+<p:sld xmlns:a="http://schemas.openxmlformats.org/drawingml/2006/main" xmlns:r="http://schemas.openxmlformats.org/officeDocument/2006/relationships" xmlns:p="http://schemas.openxmlformats.org/presentationml/2006/main">
+  <p:cSld>
+    <p:spTree>
+      <p:nvGrpSpPr>
+        <p:cNvPr id="1" name=""/>
+        <p:cNvGrpSpPr/>
+        <p:nvPr/>
+      </p:nvGrpSpPr>
+      <p:grpSpPr>
+        <a:xfrm>
+          <a:off x="0" y="0"/>
+          <a:ext cx="0" cy="0"/>
+          <a:chOff x="0" y="0"/>
+          <a:chExt cx="0" cy="0"/>
+        </a:xfrm>
+      </p:grpSpPr>
+      <p:sp>
+        <p:nvSpPr>
+          <p:cNvPr id="2" name="Titolo 1"/>
+          <p:cNvSpPr>
+            <a:spLocks noGrp="1"/>
+          </p:cNvSpPr>
+          <p:nvPr>
+            <p:ph type="title"/>
+          </p:nvPr>
+        </p:nvSpPr>
+        <p:spPr/>
+        <p:txBody>
+          <a:bodyPr/>
+          <a:lstStyle/>
+          <a:p>
+            <a:r>
               <a:rPr lang="it-IT" dirty="0" err="1"/>
               <a:t>Personas</a:t>
             </a:r>
@@ -11537,7 +11968,7 @@
 </p:sld>
 </file>
 
-<file path=ppt/slides/slide4.xml><?xml version="1.0" encoding="utf-8"?>
+<file path=ppt/slides/slide5.xml><?xml version="1.0" encoding="utf-8"?>
 <p:sld xmlns:a="http://schemas.openxmlformats.org/drawingml/2006/main" xmlns:r="http://schemas.openxmlformats.org/officeDocument/2006/relationships" xmlns:p="http://schemas.openxmlformats.org/presentationml/2006/main">
   <p:cSld>
     <p:spTree>
@@ -11593,16 +12024,363 @@
           </a:xfrm>
         </p:spPr>
         <p:txBody>
-          <a:bodyPr/>
+          <a:bodyPr>
+            <a:normAutofit fontScale="85000" lnSpcReduction="20000"/>
+          </a:bodyPr>
           <a:lstStyle/>
           <a:p>
+            <a:pPr marL="0" lvl="0" indent="0" defTabSz="914400" eaLnBrk="0" fontAlgn="base" hangingPunct="0">
+              <a:spcBef>
+                <a:spcPct val="0"/>
+              </a:spcBef>
+              <a:spcAft>
+                <a:spcPct val="0"/>
+              </a:spcAft>
+              <a:buClrTx/>
+              <a:buSzTx/>
+              <a:buNone/>
+            </a:pPr>
+            <a:r>
+              <a:rPr lang="en-US" dirty="0"/>
+              <a:t>It's Monday. Maria has just finished cleaning up the house and has no time to go to the supermarket because it is almost lunchtime and her children are returning home from school. </a:t>
+            </a:r>
+            <a:r>
+              <a:rPr lang="it-IT" altLang="it-IT" dirty="0"/>
+              <a:t>Maria </a:t>
+            </a:r>
+            <a:r>
+              <a:rPr lang="it-IT" altLang="it-IT" dirty="0" err="1"/>
+              <a:t>opens</a:t>
+            </a:r>
+            <a:r>
+              <a:rPr lang="it-IT" altLang="it-IT" dirty="0"/>
+              <a:t> the </a:t>
+            </a:r>
+            <a:r>
+              <a:rPr lang="it-IT" altLang="it-IT" dirty="0" err="1"/>
+              <a:t>fridge</a:t>
+            </a:r>
+            <a:r>
+              <a:rPr lang="it-IT" altLang="it-IT" dirty="0"/>
+              <a:t> and </a:t>
+            </a:r>
+            <a:r>
+              <a:rPr lang="it-IT" altLang="it-IT" dirty="0" err="1"/>
+              <a:t>pantry</a:t>
+            </a:r>
+            <a:r>
+              <a:rPr lang="it-IT" altLang="it-IT" dirty="0"/>
+              <a:t>. </a:t>
+            </a:r>
+            <a:r>
+              <a:rPr lang="it-IT" altLang="it-IT" dirty="0" err="1"/>
+              <a:t>She</a:t>
+            </a:r>
+            <a:r>
+              <a:rPr lang="it-IT" altLang="it-IT" dirty="0"/>
+              <a:t> </a:t>
+            </a:r>
+            <a:r>
+              <a:rPr lang="it-IT" altLang="it-IT" dirty="0" err="1"/>
+              <a:t>finds</a:t>
+            </a:r>
+            <a:r>
+              <a:rPr lang="it-IT" altLang="it-IT" dirty="0"/>
+              <a:t> </a:t>
+            </a:r>
+            <a:r>
+              <a:rPr lang="it-IT" altLang="it-IT" dirty="0" err="1"/>
+              <a:t>ham</a:t>
+            </a:r>
+            <a:r>
+              <a:rPr lang="it-IT" altLang="it-IT" dirty="0"/>
+              <a:t>, mozzarella, </a:t>
+            </a:r>
+            <a:r>
+              <a:rPr lang="it-IT" altLang="it-IT" dirty="0" err="1"/>
+              <a:t>courgettes</a:t>
+            </a:r>
+            <a:r>
+              <a:rPr lang="it-IT" altLang="it-IT" dirty="0"/>
+              <a:t>, cherry </a:t>
+            </a:r>
+            <a:r>
+              <a:rPr lang="it-IT" altLang="it-IT" dirty="0" err="1"/>
+              <a:t>tomatoes</a:t>
+            </a:r>
+            <a:r>
+              <a:rPr lang="it-IT" altLang="it-IT" dirty="0"/>
+              <a:t> and a </a:t>
+            </a:r>
+            <a:r>
+              <a:rPr lang="it-IT" altLang="it-IT" dirty="0" err="1"/>
+              <a:t>few</a:t>
+            </a:r>
+            <a:r>
+              <a:rPr lang="it-IT" altLang="it-IT" dirty="0"/>
+              <a:t> </a:t>
+            </a:r>
+            <a:r>
+              <a:rPr lang="it-IT" altLang="it-IT" dirty="0" err="1"/>
+              <a:t>eggs</a:t>
+            </a:r>
+            <a:r>
+              <a:rPr lang="it-IT" altLang="it-IT" dirty="0"/>
+              <a:t>. Mozzarella </a:t>
+            </a:r>
+            <a:r>
+              <a:rPr lang="it-IT" altLang="it-IT" dirty="0" err="1"/>
+              <a:t>would</a:t>
+            </a:r>
+            <a:r>
+              <a:rPr lang="it-IT" altLang="it-IT" dirty="0"/>
+              <a:t> be </a:t>
+            </a:r>
+            <a:r>
+              <a:rPr lang="it-IT" altLang="it-IT" dirty="0" err="1"/>
+              <a:t>good</a:t>
+            </a:r>
+            <a:r>
+              <a:rPr lang="it-IT" altLang="it-IT" dirty="0"/>
+              <a:t> to use </a:t>
+            </a:r>
+            <a:r>
+              <a:rPr lang="it-IT" altLang="it-IT" dirty="0" err="1"/>
+              <a:t>because</a:t>
+            </a:r>
+            <a:r>
+              <a:rPr lang="it-IT" altLang="it-IT" dirty="0"/>
+              <a:t> </a:t>
+            </a:r>
+            <a:r>
+              <a:rPr lang="it-IT" altLang="it-IT" dirty="0" err="1"/>
+              <a:t>it</a:t>
+            </a:r>
+            <a:r>
+              <a:rPr lang="it-IT" altLang="it-IT" dirty="0"/>
+              <a:t> </a:t>
+            </a:r>
+            <a:r>
+              <a:rPr lang="it-IT" altLang="it-IT" dirty="0" err="1"/>
+              <a:t>has</a:t>
+            </a:r>
+            <a:r>
+              <a:rPr lang="it-IT" altLang="it-IT" dirty="0"/>
+              <a:t> </a:t>
+            </a:r>
+            <a:r>
+              <a:rPr lang="it-IT" altLang="it-IT" dirty="0" err="1"/>
+              <a:t>already</a:t>
+            </a:r>
+            <a:r>
+              <a:rPr lang="it-IT" altLang="it-IT" dirty="0"/>
+              <a:t> </a:t>
+            </a:r>
+            <a:r>
+              <a:rPr lang="it-IT" altLang="it-IT" dirty="0" err="1"/>
+              <a:t>been</a:t>
+            </a:r>
+            <a:r>
+              <a:rPr lang="it-IT" altLang="it-IT" dirty="0"/>
+              <a:t> in the </a:t>
+            </a:r>
+            <a:r>
+              <a:rPr lang="it-IT" altLang="it-IT" dirty="0" err="1"/>
+              <a:t>fridge</a:t>
+            </a:r>
+            <a:r>
+              <a:rPr lang="it-IT" altLang="it-IT" dirty="0"/>
+              <a:t> for some time and </a:t>
+            </a:r>
+            <a:r>
+              <a:rPr lang="it-IT" altLang="it-IT" dirty="0" err="1"/>
+              <a:t>is</a:t>
+            </a:r>
+            <a:r>
+              <a:rPr lang="it-IT" altLang="it-IT" dirty="0"/>
+              <a:t> </a:t>
+            </a:r>
+            <a:r>
+              <a:rPr lang="it-IT" altLang="it-IT" dirty="0" err="1"/>
+              <a:t>likely</a:t>
+            </a:r>
+            <a:r>
+              <a:rPr lang="it-IT" altLang="it-IT" dirty="0"/>
+              <a:t> to go </a:t>
+            </a:r>
+            <a:r>
+              <a:rPr lang="it-IT" altLang="it-IT" dirty="0" err="1"/>
+              <a:t>bad</a:t>
+            </a:r>
+            <a:r>
+              <a:rPr lang="it-IT" altLang="it-IT" dirty="0"/>
+              <a:t>. </a:t>
+            </a:r>
+            <a:r>
+              <a:rPr lang="it-IT" altLang="it-IT" dirty="0" err="1"/>
+              <a:t>Nothing</a:t>
+            </a:r>
+            <a:r>
+              <a:rPr lang="it-IT" altLang="it-IT" dirty="0"/>
+              <a:t> </a:t>
+            </a:r>
+            <a:r>
+              <a:rPr lang="it-IT" altLang="it-IT" dirty="0" err="1"/>
+              <a:t>comes</a:t>
+            </a:r>
+            <a:r>
+              <a:rPr lang="it-IT" altLang="it-IT" dirty="0"/>
+              <a:t> to </a:t>
+            </a:r>
+            <a:r>
+              <a:rPr lang="it-IT" altLang="it-IT" dirty="0" err="1"/>
+              <a:t>mind</a:t>
+            </a:r>
+            <a:r>
+              <a:rPr lang="it-IT" altLang="it-IT" dirty="0"/>
+              <a:t> so </a:t>
+            </a:r>
+            <a:r>
+              <a:rPr lang="it-IT" altLang="it-IT" dirty="0" err="1"/>
+              <a:t>she</a:t>
+            </a:r>
+            <a:r>
+              <a:rPr lang="it-IT" altLang="it-IT" dirty="0"/>
+              <a:t> </a:t>
+            </a:r>
+            <a:r>
+              <a:rPr lang="it-IT" altLang="it-IT" dirty="0" err="1"/>
+              <a:t>tries</a:t>
+            </a:r>
+            <a:r>
+              <a:rPr lang="it-IT" altLang="it-IT" dirty="0"/>
+              <a:t> to </a:t>
+            </a:r>
+            <a:r>
+              <a:rPr lang="it-IT" altLang="it-IT" dirty="0" err="1"/>
+              <a:t>consult</a:t>
+            </a:r>
+            <a:r>
+              <a:rPr lang="it-IT" altLang="it-IT" dirty="0"/>
+              <a:t> some </a:t>
+            </a:r>
+            <a:r>
+              <a:rPr lang="it-IT" altLang="it-IT" dirty="0" err="1"/>
+              <a:t>recipe</a:t>
+            </a:r>
+            <a:r>
+              <a:rPr lang="it-IT" altLang="it-IT" dirty="0"/>
+              <a:t> site on the internet </a:t>
+            </a:r>
+            <a:r>
+              <a:rPr lang="it-IT" altLang="it-IT" dirty="0" err="1"/>
+              <a:t>but</a:t>
+            </a:r>
+            <a:r>
+              <a:rPr lang="it-IT" altLang="it-IT" dirty="0"/>
+              <a:t> </a:t>
+            </a:r>
+            <a:r>
+              <a:rPr lang="it-IT" altLang="it-IT" dirty="0" err="1"/>
+              <a:t>there</a:t>
+            </a:r>
+            <a:r>
+              <a:rPr lang="it-IT" altLang="it-IT" dirty="0"/>
+              <a:t> are </a:t>
+            </a:r>
+            <a:r>
+              <a:rPr lang="it-IT" altLang="it-IT" dirty="0" err="1"/>
+              <a:t>hundreds</a:t>
+            </a:r>
+            <a:r>
+              <a:rPr lang="it-IT" altLang="it-IT" dirty="0"/>
+              <a:t> of </a:t>
+            </a:r>
+            <a:r>
+              <a:rPr lang="it-IT" altLang="it-IT" dirty="0" err="1"/>
+              <a:t>recipes</a:t>
+            </a:r>
+            <a:r>
+              <a:rPr lang="it-IT" altLang="it-IT" dirty="0"/>
+              <a:t> and </a:t>
+            </a:r>
+            <a:r>
+              <a:rPr lang="it-IT" altLang="it-IT" dirty="0" err="1"/>
+              <a:t>she</a:t>
+            </a:r>
+            <a:r>
+              <a:rPr lang="it-IT" altLang="it-IT" dirty="0"/>
+              <a:t> </a:t>
+            </a:r>
+            <a:r>
+              <a:rPr lang="it-IT" altLang="it-IT" dirty="0" err="1"/>
+              <a:t>has</a:t>
+            </a:r>
+            <a:r>
+              <a:rPr lang="it-IT" altLang="it-IT" dirty="0"/>
+              <a:t> </a:t>
+            </a:r>
+            <a:r>
+              <a:rPr lang="it-IT" altLang="it-IT" dirty="0" err="1"/>
+              <a:t>little</a:t>
+            </a:r>
+            <a:r>
+              <a:rPr lang="it-IT" altLang="it-IT" dirty="0"/>
+              <a:t> time. In the end </a:t>
+            </a:r>
+            <a:r>
+              <a:rPr lang="it-IT" altLang="it-IT" dirty="0" err="1"/>
+              <a:t>she</a:t>
+            </a:r>
+            <a:r>
+              <a:rPr lang="it-IT" altLang="it-IT" dirty="0"/>
+              <a:t> </a:t>
+            </a:r>
+            <a:r>
+              <a:rPr lang="it-IT" altLang="it-IT" dirty="0" err="1"/>
+              <a:t>decides</a:t>
+            </a:r>
+            <a:r>
+              <a:rPr lang="it-IT" altLang="it-IT" dirty="0"/>
+              <a:t> to do the </a:t>
+            </a:r>
+            <a:r>
+              <a:rPr lang="it-IT" altLang="it-IT" dirty="0" err="1"/>
+              <a:t>usual</a:t>
+            </a:r>
+            <a:r>
+              <a:rPr lang="it-IT" altLang="it-IT" dirty="0"/>
+              <a:t> tomato pasta and mozzarella. Tomorrow </a:t>
+            </a:r>
+            <a:r>
+              <a:rPr lang="it-IT" altLang="it-IT" dirty="0" err="1"/>
+              <a:t>it</a:t>
+            </a:r>
+            <a:r>
+              <a:rPr lang="it-IT" altLang="it-IT" dirty="0"/>
+              <a:t> </a:t>
+            </a:r>
+            <a:r>
+              <a:rPr lang="it-IT" altLang="it-IT" dirty="0" err="1"/>
+              <a:t>will</a:t>
+            </a:r>
+            <a:r>
+              <a:rPr lang="it-IT" altLang="it-IT" dirty="0"/>
+              <a:t> be </a:t>
+            </a:r>
+            <a:r>
+              <a:rPr lang="it-IT" altLang="it-IT" dirty="0" err="1"/>
+              <a:t>better</a:t>
+            </a:r>
+            <a:r>
+              <a:rPr lang="it-IT" altLang="it-IT" dirty="0"/>
+              <a:t>...</a:t>
+            </a:r>
+          </a:p>
+          <a:p>
             <a:pPr marL="0" indent="0">
               <a:buNone/>
             </a:pPr>
-            <a:r>
-              <a:rPr lang="en-US" dirty="0"/>
-              <a:t>It's Monday. Maria has just finished cleaning up the house and has no time to go to the supermarket because it is almost lunchtime and her children are returning home from school. And she doesn't want to trim the usual tomato pasta ...</a:t>
-            </a:r>
             <a:endParaRPr lang="it-IT" dirty="0"/>
           </a:p>
         </p:txBody>
@@ -11650,7 +12428,7 @@
 </p:sld>
 </file>
 
-<file path=ppt/slides/slide5.xml><?xml version="1.0" encoding="utf-8"?>
+<file path=ppt/slides/slide6.xml><?xml version="1.0" encoding="utf-8"?>
 <p:sld xmlns:a="http://schemas.openxmlformats.org/drawingml/2006/main" xmlns:r="http://schemas.openxmlformats.org/officeDocument/2006/relationships" xmlns:p="http://schemas.openxmlformats.org/presentationml/2006/main">
   <p:cSld>
     <p:spTree>
@@ -11702,196 +12480,457 @@
         <p:spPr>
           <a:xfrm>
             <a:off x="1295402" y="2580378"/>
-            <a:ext cx="4976445" cy="2437099"/>
+            <a:ext cx="5118461" cy="3183164"/>
           </a:xfrm>
         </p:spPr>
         <p:txBody>
-          <a:bodyPr/>
+          <a:bodyPr>
+            <a:normAutofit fontScale="85000" lnSpcReduction="10000"/>
+          </a:bodyPr>
           <a:lstStyle/>
           <a:p>
+            <a:pPr marL="0" lvl="0" indent="0" defTabSz="914400" eaLnBrk="0" fontAlgn="base" hangingPunct="0">
+              <a:spcBef>
+                <a:spcPct val="0"/>
+              </a:spcBef>
+              <a:spcAft>
+                <a:spcPct val="0"/>
+              </a:spcAft>
+              <a:buClrTx/>
+              <a:buSzTx/>
+              <a:buNone/>
+            </a:pPr>
+            <a:r>
+              <a:rPr lang="it-IT" altLang="it-IT" dirty="0"/>
+              <a:t>Fabio </a:t>
+            </a:r>
+            <a:r>
+              <a:rPr lang="it-IT" altLang="it-IT" dirty="0" err="1"/>
+              <a:t>woke</a:t>
+            </a:r>
+            <a:r>
+              <a:rPr lang="it-IT" altLang="it-IT" dirty="0"/>
+              <a:t> up late </a:t>
+            </a:r>
+            <a:r>
+              <a:rPr lang="it-IT" altLang="it-IT" dirty="0" err="1"/>
+              <a:t>this</a:t>
+            </a:r>
+            <a:r>
+              <a:rPr lang="it-IT" altLang="it-IT" dirty="0"/>
+              <a:t> </a:t>
+            </a:r>
+            <a:r>
+              <a:rPr lang="it-IT" altLang="it-IT" dirty="0" err="1"/>
+              <a:t>morning</a:t>
+            </a:r>
+            <a:r>
+              <a:rPr lang="it-IT" altLang="it-IT" dirty="0"/>
+              <a:t> </a:t>
+            </a:r>
+            <a:r>
+              <a:rPr lang="it-IT" altLang="it-IT" dirty="0" err="1"/>
+              <a:t>as</a:t>
+            </a:r>
+            <a:r>
+              <a:rPr lang="it-IT" altLang="it-IT" dirty="0"/>
+              <a:t> </a:t>
+            </a:r>
+            <a:r>
+              <a:rPr lang="it-IT" altLang="it-IT" dirty="0" err="1"/>
+              <a:t>yesterday</a:t>
+            </a:r>
+            <a:r>
+              <a:rPr lang="it-IT" altLang="it-IT" dirty="0"/>
+              <a:t> he </a:t>
+            </a:r>
+            <a:r>
+              <a:rPr lang="it-IT" altLang="it-IT" dirty="0" err="1"/>
+              <a:t>stayed</a:t>
+            </a:r>
+            <a:r>
+              <a:rPr lang="it-IT" altLang="it-IT" dirty="0"/>
+              <a:t> to play video games </a:t>
+            </a:r>
+            <a:r>
+              <a:rPr lang="it-IT" altLang="it-IT" dirty="0" err="1"/>
+              <a:t>until</a:t>
+            </a:r>
+            <a:r>
+              <a:rPr lang="it-IT" altLang="it-IT" dirty="0"/>
+              <a:t> late in the </a:t>
+            </a:r>
+            <a:r>
+              <a:rPr lang="it-IT" altLang="it-IT" dirty="0" err="1"/>
+              <a:t>evening</a:t>
+            </a:r>
+            <a:r>
+              <a:rPr lang="it-IT" altLang="it-IT" dirty="0"/>
+              <a:t>. In the </a:t>
+            </a:r>
+            <a:r>
+              <a:rPr lang="it-IT" altLang="it-IT" dirty="0" err="1"/>
+              <a:t>afternoon</a:t>
+            </a:r>
+            <a:r>
+              <a:rPr lang="it-IT" altLang="it-IT" dirty="0"/>
+              <a:t> he </a:t>
+            </a:r>
+            <a:r>
+              <a:rPr lang="it-IT" altLang="it-IT" dirty="0" err="1"/>
+              <a:t>has</a:t>
+            </a:r>
+            <a:r>
+              <a:rPr lang="it-IT" altLang="it-IT" dirty="0"/>
+              <a:t> to go to </a:t>
+            </a:r>
+            <a:r>
+              <a:rPr lang="it-IT" altLang="it-IT" dirty="0" err="1"/>
+              <a:t>university</a:t>
+            </a:r>
+            <a:r>
+              <a:rPr lang="it-IT" altLang="it-IT" dirty="0"/>
+              <a:t> for </a:t>
+            </a:r>
+            <a:r>
+              <a:rPr lang="it-IT" altLang="it-IT" dirty="0" err="1"/>
+              <a:t>courses</a:t>
+            </a:r>
+            <a:r>
+              <a:rPr lang="it-IT" altLang="it-IT" dirty="0"/>
+              <a:t> so he </a:t>
+            </a:r>
+            <a:r>
+              <a:rPr lang="it-IT" altLang="it-IT" dirty="0" err="1"/>
+              <a:t>has</a:t>
+            </a:r>
+            <a:r>
+              <a:rPr lang="it-IT" altLang="it-IT" dirty="0"/>
+              <a:t> to </a:t>
+            </a:r>
+            <a:r>
+              <a:rPr lang="it-IT" altLang="it-IT" dirty="0" err="1"/>
+              <a:t>hurry</a:t>
+            </a:r>
+            <a:r>
+              <a:rPr lang="it-IT" altLang="it-IT" dirty="0"/>
+              <a:t> up </a:t>
+            </a:r>
+            <a:r>
+              <a:rPr lang="it-IT" altLang="it-IT" dirty="0" err="1"/>
+              <a:t>as</a:t>
+            </a:r>
+            <a:r>
+              <a:rPr lang="it-IT" altLang="it-IT" dirty="0"/>
+              <a:t> he </a:t>
+            </a:r>
+            <a:r>
+              <a:rPr lang="it-IT" altLang="it-IT" dirty="0" err="1"/>
+              <a:t>has</a:t>
+            </a:r>
+            <a:r>
+              <a:rPr lang="it-IT" altLang="it-IT" dirty="0"/>
+              <a:t> to wash and </a:t>
+            </a:r>
+            <a:r>
+              <a:rPr lang="it-IT" altLang="it-IT" dirty="0" err="1"/>
+              <a:t>have</a:t>
+            </a:r>
+            <a:r>
+              <a:rPr lang="it-IT" altLang="it-IT" dirty="0"/>
+              <a:t> lunch. Fabio </a:t>
+            </a:r>
+            <a:r>
+              <a:rPr lang="it-IT" altLang="it-IT" dirty="0" err="1"/>
+              <a:t>hates</a:t>
+            </a:r>
+            <a:r>
+              <a:rPr lang="it-IT" altLang="it-IT" dirty="0"/>
+              <a:t> </a:t>
+            </a:r>
+            <a:r>
+              <a:rPr lang="it-IT" altLang="it-IT" dirty="0" err="1"/>
+              <a:t>cooking</a:t>
+            </a:r>
+            <a:r>
+              <a:rPr lang="it-IT" altLang="it-IT" dirty="0"/>
+              <a:t> and </a:t>
+            </a:r>
+            <a:r>
+              <a:rPr lang="it-IT" altLang="it-IT" dirty="0" err="1"/>
+              <a:t>has</a:t>
+            </a:r>
+            <a:r>
+              <a:rPr lang="it-IT" altLang="it-IT" dirty="0"/>
+              <a:t> </a:t>
+            </a:r>
+            <a:r>
+              <a:rPr lang="it-IT" altLang="it-IT" dirty="0" err="1"/>
+              <a:t>finished</a:t>
+            </a:r>
+            <a:r>
+              <a:rPr lang="it-IT" altLang="it-IT" dirty="0"/>
+              <a:t> </a:t>
+            </a:r>
+            <a:r>
+              <a:rPr lang="it-IT" altLang="it-IT" dirty="0" err="1"/>
+              <a:t>all</a:t>
+            </a:r>
+            <a:r>
+              <a:rPr lang="it-IT" altLang="it-IT" dirty="0"/>
+              <a:t> the </a:t>
+            </a:r>
+            <a:r>
+              <a:rPr lang="it-IT" altLang="it-IT" dirty="0" err="1"/>
+              <a:t>tuna</a:t>
+            </a:r>
+            <a:r>
+              <a:rPr lang="it-IT" altLang="it-IT" dirty="0"/>
+              <a:t> </a:t>
+            </a:r>
+            <a:r>
+              <a:rPr lang="it-IT" altLang="it-IT" dirty="0" err="1"/>
+              <a:t>cans</a:t>
+            </a:r>
+            <a:r>
+              <a:rPr lang="it-IT" altLang="it-IT" dirty="0"/>
+              <a:t> so he </a:t>
+            </a:r>
+            <a:r>
+              <a:rPr lang="it-IT" altLang="it-IT" dirty="0" err="1"/>
+              <a:t>is</a:t>
+            </a:r>
+            <a:r>
+              <a:rPr lang="it-IT" altLang="it-IT" dirty="0"/>
+              <a:t> </a:t>
+            </a:r>
+            <a:r>
+              <a:rPr lang="it-IT" altLang="it-IT" dirty="0" err="1"/>
+              <a:t>forced</a:t>
+            </a:r>
+            <a:r>
+              <a:rPr lang="it-IT" altLang="it-IT" dirty="0"/>
+              <a:t> to </a:t>
+            </a:r>
+            <a:r>
+              <a:rPr lang="it-IT" altLang="it-IT" dirty="0" err="1"/>
+              <a:t>invent</a:t>
+            </a:r>
+            <a:r>
+              <a:rPr lang="it-IT" altLang="it-IT" dirty="0"/>
+              <a:t> </a:t>
+            </a:r>
+            <a:r>
+              <a:rPr lang="it-IT" altLang="it-IT" dirty="0" err="1"/>
+              <a:t>something</a:t>
+            </a:r>
+            <a:r>
+              <a:rPr lang="it-IT" altLang="it-IT" dirty="0"/>
+              <a:t> </a:t>
+            </a:r>
+            <a:r>
+              <a:rPr lang="it-IT" altLang="it-IT" dirty="0" err="1"/>
+              <a:t>but</a:t>
+            </a:r>
+            <a:r>
+              <a:rPr lang="it-IT" altLang="it-IT" dirty="0"/>
+              <a:t>, </a:t>
+            </a:r>
+            <a:r>
+              <a:rPr lang="it-IT" altLang="it-IT" dirty="0" err="1"/>
+              <a:t>not</a:t>
+            </a:r>
+            <a:r>
+              <a:rPr lang="it-IT" altLang="it-IT" dirty="0"/>
+              <a:t> </a:t>
+            </a:r>
+            <a:r>
+              <a:rPr lang="it-IT" altLang="it-IT" dirty="0" err="1"/>
+              <a:t>having</a:t>
+            </a:r>
+            <a:r>
+              <a:rPr lang="it-IT" altLang="it-IT" dirty="0"/>
+              <a:t> so </a:t>
+            </a:r>
+            <a:r>
+              <a:rPr lang="it-IT" altLang="it-IT" dirty="0" err="1"/>
+              <a:t>much</a:t>
+            </a:r>
+            <a:r>
+              <a:rPr lang="it-IT" altLang="it-IT" dirty="0"/>
+              <a:t> </a:t>
+            </a:r>
+          </a:p>
+          <a:p>
+            <a:pPr marL="0" lvl="0" indent="0" defTabSz="914400" eaLnBrk="0" fontAlgn="base" hangingPunct="0">
+              <a:spcBef>
+                <a:spcPct val="0"/>
+              </a:spcBef>
+              <a:spcAft>
+                <a:spcPct val="0"/>
+              </a:spcAft>
+              <a:buClrTx/>
+              <a:buSzTx/>
+              <a:buNone/>
+            </a:pPr>
+            <a:r>
+              <a:rPr lang="it-IT" altLang="it-IT" dirty="0" err="1"/>
+              <a:t>imagination</a:t>
+            </a:r>
+            <a:r>
+              <a:rPr lang="it-IT" altLang="it-IT" dirty="0"/>
+              <a:t> in the </a:t>
+            </a:r>
+            <a:r>
+              <a:rPr lang="it-IT" altLang="it-IT" dirty="0" err="1"/>
+              <a:t>kitchen</a:t>
+            </a:r>
+            <a:r>
+              <a:rPr lang="it-IT" altLang="it-IT" dirty="0"/>
+              <a:t> and </a:t>
+            </a:r>
+            <a:r>
+              <a:rPr lang="it-IT" altLang="it-IT" dirty="0" err="1"/>
+              <a:t>few</a:t>
+            </a:r>
+            <a:r>
+              <a:rPr lang="it-IT" altLang="it-IT" dirty="0"/>
+              <a:t> </a:t>
+            </a:r>
+            <a:r>
+              <a:rPr lang="it-IT" altLang="it-IT" dirty="0" err="1"/>
+              <a:t>ingredients</a:t>
+            </a:r>
+            <a:r>
+              <a:rPr lang="it-IT" altLang="it-IT" dirty="0"/>
+              <a:t>, he </a:t>
+            </a:r>
+            <a:r>
+              <a:rPr lang="it-IT" altLang="it-IT" dirty="0" err="1"/>
+              <a:t>doesn't</a:t>
+            </a:r>
+            <a:r>
+              <a:rPr lang="it-IT" altLang="it-IT" dirty="0"/>
+              <a:t> </a:t>
+            </a:r>
+            <a:r>
+              <a:rPr lang="it-IT" altLang="it-IT" dirty="0" err="1"/>
+              <a:t>have</a:t>
+            </a:r>
+            <a:r>
+              <a:rPr lang="it-IT" altLang="it-IT" dirty="0"/>
+              <a:t> time to </a:t>
+            </a:r>
+            <a:r>
+              <a:rPr lang="it-IT" altLang="it-IT" dirty="0" err="1"/>
+              <a:t>think</a:t>
+            </a:r>
+            <a:r>
+              <a:rPr lang="it-IT" altLang="it-IT" dirty="0"/>
+              <a:t> </a:t>
+            </a:r>
+            <a:r>
+              <a:rPr lang="it-IT" altLang="it-IT" dirty="0" err="1"/>
+              <a:t>about</a:t>
+            </a:r>
+            <a:r>
+              <a:rPr lang="it-IT" altLang="it-IT" dirty="0"/>
+              <a:t> </a:t>
+            </a:r>
+            <a:r>
+              <a:rPr lang="it-IT" altLang="it-IT" dirty="0" err="1"/>
+              <a:t>what</a:t>
+            </a:r>
+            <a:r>
+              <a:rPr lang="it-IT" altLang="it-IT" dirty="0"/>
+              <a:t> to </a:t>
+            </a:r>
+            <a:r>
+              <a:rPr lang="it-IT" altLang="it-IT" dirty="0" err="1"/>
+              <a:t>cook</a:t>
+            </a:r>
+            <a:r>
+              <a:rPr lang="it-IT" altLang="it-IT" dirty="0"/>
+              <a:t> and </a:t>
+            </a:r>
+            <a:r>
+              <a:rPr lang="it-IT" altLang="it-IT" dirty="0" err="1"/>
+              <a:t>how</a:t>
+            </a:r>
+            <a:r>
+              <a:rPr lang="it-IT" altLang="it-IT" dirty="0"/>
+              <a:t> to </a:t>
+            </a:r>
+            <a:r>
+              <a:rPr lang="it-IT" altLang="it-IT" dirty="0" err="1"/>
+              <a:t>cook</a:t>
+            </a:r>
+            <a:r>
+              <a:rPr lang="it-IT" altLang="it-IT" dirty="0"/>
+              <a:t> </a:t>
+            </a:r>
+            <a:r>
+              <a:rPr lang="it-IT" altLang="it-IT" dirty="0" err="1"/>
+              <a:t>it</a:t>
+            </a:r>
+            <a:r>
+              <a:rPr lang="it-IT" altLang="it-IT" dirty="0"/>
+              <a:t> so he </a:t>
+            </a:r>
+            <a:r>
+              <a:rPr lang="it-IT" altLang="it-IT" dirty="0" err="1"/>
+              <a:t>decides</a:t>
+            </a:r>
+            <a:r>
+              <a:rPr lang="it-IT" altLang="it-IT" dirty="0"/>
+              <a:t> to </a:t>
+            </a:r>
+            <a:r>
+              <a:rPr lang="it-IT" altLang="it-IT" dirty="0" err="1"/>
+              <a:t>skip</a:t>
+            </a:r>
+            <a:r>
+              <a:rPr lang="it-IT" altLang="it-IT" dirty="0"/>
+              <a:t> lunch. </a:t>
+            </a:r>
+            <a:r>
+              <a:rPr lang="it-IT" altLang="it-IT" dirty="0" err="1"/>
+              <a:t>Today</a:t>
+            </a:r>
+            <a:r>
+              <a:rPr lang="it-IT" altLang="it-IT" dirty="0"/>
+              <a:t> Fabio </a:t>
+            </a:r>
+            <a:r>
+              <a:rPr lang="it-IT" altLang="it-IT" dirty="0" err="1"/>
+              <a:t>will</a:t>
+            </a:r>
+            <a:r>
+              <a:rPr lang="it-IT" altLang="it-IT" dirty="0"/>
+              <a:t> go to </a:t>
+            </a:r>
+            <a:r>
+              <a:rPr lang="it-IT" altLang="it-IT" dirty="0" err="1"/>
+              <a:t>university</a:t>
+            </a:r>
+            <a:r>
+              <a:rPr lang="it-IT" altLang="it-IT" dirty="0"/>
+              <a:t> </a:t>
+            </a:r>
+            <a:r>
+              <a:rPr lang="it-IT" altLang="it-IT" dirty="0" err="1"/>
+              <a:t>fasting</a:t>
+            </a:r>
+            <a:r>
+              <a:rPr lang="it-IT" altLang="it-IT" dirty="0"/>
+              <a:t>...</a:t>
+            </a:r>
+          </a:p>
+          <a:p>
             <a:pPr marL="0" indent="0">
               <a:buNone/>
             </a:pPr>
-            <a:r>
-              <a:rPr lang="it-IT" altLang="it-IT" dirty="0"/>
-              <a:t>Fabio </a:t>
-            </a:r>
-            <a:r>
-              <a:rPr lang="it-IT" altLang="it-IT" dirty="0" err="1"/>
-              <a:t>woke</a:t>
-            </a:r>
-            <a:r>
-              <a:rPr lang="it-IT" altLang="it-IT" dirty="0"/>
-              <a:t> up late </a:t>
-            </a:r>
-            <a:r>
-              <a:rPr lang="it-IT" altLang="it-IT" dirty="0" err="1"/>
-              <a:t>this</a:t>
-            </a:r>
-            <a:r>
-              <a:rPr lang="it-IT" altLang="it-IT" dirty="0"/>
-              <a:t> </a:t>
-            </a:r>
-            <a:r>
-              <a:rPr lang="it-IT" altLang="it-IT" dirty="0" err="1"/>
-              <a:t>morning</a:t>
-            </a:r>
-            <a:r>
-              <a:rPr lang="it-IT" altLang="it-IT" dirty="0"/>
-              <a:t> and in the </a:t>
-            </a:r>
-            <a:r>
-              <a:rPr lang="it-IT" altLang="it-IT" dirty="0" err="1"/>
-              <a:t>afternoon</a:t>
-            </a:r>
-            <a:r>
-              <a:rPr lang="it-IT" altLang="it-IT" dirty="0"/>
-              <a:t> he </a:t>
-            </a:r>
-            <a:r>
-              <a:rPr lang="it-IT" altLang="it-IT" dirty="0" err="1"/>
-              <a:t>has</a:t>
-            </a:r>
-            <a:r>
-              <a:rPr lang="it-IT" altLang="it-IT" dirty="0"/>
-              <a:t> to go to </a:t>
-            </a:r>
-            <a:r>
-              <a:rPr lang="it-IT" altLang="it-IT" dirty="0" err="1"/>
-              <a:t>university</a:t>
-            </a:r>
-            <a:r>
-              <a:rPr lang="it-IT" altLang="it-IT" dirty="0"/>
-              <a:t> for </a:t>
-            </a:r>
-            <a:r>
-              <a:rPr lang="it-IT" altLang="it-IT" dirty="0" err="1"/>
-              <a:t>courses</a:t>
-            </a:r>
-            <a:r>
-              <a:rPr lang="it-IT" altLang="it-IT" dirty="0"/>
-              <a:t>. He </a:t>
-            </a:r>
-            <a:r>
-              <a:rPr lang="it-IT" altLang="it-IT" dirty="0" err="1"/>
-              <a:t>hates</a:t>
-            </a:r>
-            <a:r>
-              <a:rPr lang="it-IT" altLang="it-IT" dirty="0"/>
-              <a:t> </a:t>
-            </a:r>
-            <a:r>
-              <a:rPr lang="it-IT" altLang="it-IT" dirty="0" err="1"/>
-              <a:t>cooking</a:t>
-            </a:r>
-            <a:r>
-              <a:rPr lang="it-IT" altLang="it-IT" dirty="0"/>
-              <a:t> </a:t>
-            </a:r>
-            <a:r>
-              <a:rPr lang="it-IT" altLang="it-IT" dirty="0" err="1"/>
-              <a:t>but</a:t>
-            </a:r>
-            <a:r>
-              <a:rPr lang="it-IT" altLang="it-IT" dirty="0"/>
-              <a:t> he </a:t>
-            </a:r>
-            <a:r>
-              <a:rPr lang="it-IT" altLang="it-IT" dirty="0" err="1"/>
-              <a:t>has</a:t>
-            </a:r>
-            <a:r>
-              <a:rPr lang="it-IT" altLang="it-IT" dirty="0"/>
-              <a:t> </a:t>
-            </a:r>
-            <a:r>
-              <a:rPr lang="it-IT" altLang="it-IT" dirty="0" err="1"/>
-              <a:t>finished</a:t>
-            </a:r>
-            <a:r>
-              <a:rPr lang="it-IT" altLang="it-IT" dirty="0"/>
-              <a:t> </a:t>
-            </a:r>
-            <a:r>
-              <a:rPr lang="it-IT" altLang="it-IT" dirty="0" err="1"/>
-              <a:t>all</a:t>
-            </a:r>
-            <a:r>
-              <a:rPr lang="it-IT" altLang="it-IT" dirty="0"/>
-              <a:t> the </a:t>
-            </a:r>
-            <a:r>
-              <a:rPr lang="it-IT" altLang="it-IT" dirty="0" err="1"/>
-              <a:t>tuna</a:t>
-            </a:r>
-            <a:r>
-              <a:rPr lang="it-IT" altLang="it-IT" dirty="0"/>
-              <a:t> </a:t>
-            </a:r>
-            <a:r>
-              <a:rPr lang="it-IT" altLang="it-IT" dirty="0" err="1"/>
-              <a:t>cans</a:t>
-            </a:r>
-            <a:r>
-              <a:rPr lang="it-IT" altLang="it-IT" dirty="0"/>
-              <a:t> and </a:t>
-            </a:r>
-            <a:r>
-              <a:rPr lang="it-IT" altLang="it-IT" dirty="0" err="1"/>
-              <a:t>has</a:t>
-            </a:r>
-            <a:r>
-              <a:rPr lang="it-IT" altLang="it-IT" dirty="0"/>
-              <a:t> no time to </a:t>
-            </a:r>
-            <a:r>
-              <a:rPr lang="it-IT" altLang="it-IT" dirty="0" err="1"/>
-              <a:t>think</a:t>
-            </a:r>
-            <a:r>
-              <a:rPr lang="it-IT" altLang="it-IT" dirty="0"/>
-              <a:t> </a:t>
-            </a:r>
-            <a:r>
-              <a:rPr lang="it-IT" altLang="it-IT" dirty="0" err="1"/>
-              <a:t>what</a:t>
-            </a:r>
-            <a:r>
-              <a:rPr lang="it-IT" altLang="it-IT" dirty="0"/>
-              <a:t> to </a:t>
-            </a:r>
-            <a:r>
-              <a:rPr lang="it-IT" altLang="it-IT" dirty="0" err="1"/>
-              <a:t>cook</a:t>
-            </a:r>
-            <a:r>
-              <a:rPr lang="it-IT" altLang="it-IT" dirty="0"/>
-              <a:t> and </a:t>
-            </a:r>
-            <a:r>
-              <a:rPr lang="it-IT" altLang="it-IT" dirty="0" err="1"/>
-              <a:t>how</a:t>
-            </a:r>
-            <a:r>
-              <a:rPr lang="it-IT" altLang="it-IT" dirty="0"/>
-              <a:t> to </a:t>
-            </a:r>
-            <a:r>
-              <a:rPr lang="it-IT" altLang="it-IT" dirty="0" err="1"/>
-              <a:t>cook</a:t>
-            </a:r>
-            <a:r>
-              <a:rPr lang="it-IT" altLang="it-IT" dirty="0"/>
-              <a:t> </a:t>
-            </a:r>
-            <a:r>
-              <a:rPr lang="it-IT" altLang="it-IT" dirty="0" err="1"/>
-              <a:t>it</a:t>
-            </a:r>
-            <a:r>
-              <a:rPr lang="it-IT" altLang="it-IT" dirty="0"/>
-              <a:t> ... </a:t>
-            </a:r>
+            <a:endParaRPr lang="it-IT" altLang="it-IT" dirty="0"/>
           </a:p>
           <a:p>
             <a:pPr marL="0" indent="0">
@@ -12027,7 +13066,7 @@
 </p:sld>
 </file>
 
-<file path=ppt/slides/slide6.xml><?xml version="1.0" encoding="utf-8"?>
+<file path=ppt/slides/slide7.xml><?xml version="1.0" encoding="utf-8"?>
 <p:sld xmlns:a="http://schemas.openxmlformats.org/drawingml/2006/main" xmlns:r="http://schemas.openxmlformats.org/officeDocument/2006/relationships" xmlns:p="http://schemas.openxmlformats.org/presentationml/2006/main">
   <p:cSld>
     <p:spTree>
@@ -14030,241 +15069,6 @@
 </p:sld>
 </file>
 
-<file path=ppt/slides/slide7.xml><?xml version="1.0" encoding="utf-8"?>
-<p:sld xmlns:a="http://schemas.openxmlformats.org/drawingml/2006/main" xmlns:r="http://schemas.openxmlformats.org/officeDocument/2006/relationships" xmlns:p="http://schemas.openxmlformats.org/presentationml/2006/main">
-  <p:cSld>
-    <p:spTree>
-      <p:nvGrpSpPr>
-        <p:cNvPr id="1" name=""/>
-        <p:cNvGrpSpPr/>
-        <p:nvPr/>
-      </p:nvGrpSpPr>
-      <p:grpSpPr>
-        <a:xfrm>
-          <a:off x="0" y="0"/>
-          <a:ext cx="0" cy="0"/>
-          <a:chOff x="0" y="0"/>
-          <a:chExt cx="0" cy="0"/>
-        </a:xfrm>
-      </p:grpSpPr>
-      <p:sp>
-        <p:nvSpPr>
-          <p:cNvPr id="2" name="Titolo 1"/>
-          <p:cNvSpPr>
-            <a:spLocks noGrp="1"/>
-          </p:cNvSpPr>
-          <p:nvPr>
-            <p:ph type="title"/>
-          </p:nvPr>
-        </p:nvSpPr>
-        <p:spPr/>
-        <p:txBody>
-          <a:bodyPr/>
-          <a:lstStyle/>
-          <a:p>
-            <a:r>
-              <a:rPr lang="it-IT" dirty="0" err="1"/>
-              <a:t>Survey</a:t>
-            </a:r>
-            <a:endParaRPr lang="it-IT" dirty="0"/>
-          </a:p>
-        </p:txBody>
-      </p:sp>
-      <p:sp>
-        <p:nvSpPr>
-          <p:cNvPr id="3" name="Segnaposto contenuto 2"/>
-          <p:cNvSpPr>
-            <a:spLocks noGrp="1"/>
-          </p:cNvSpPr>
-          <p:nvPr>
-            <p:ph idx="1"/>
-          </p:nvPr>
-        </p:nvSpPr>
-        <p:spPr/>
-        <p:txBody>
-          <a:bodyPr/>
-          <a:lstStyle/>
-          <a:p>
-            <a:pPr marL="0" indent="0">
-              <a:buNone/>
-            </a:pPr>
-            <a:r>
-              <a:rPr lang="it-IT" dirty="0"/>
-              <a:t>1.How </a:t>
-            </a:r>
-            <a:r>
-              <a:rPr lang="it-IT" dirty="0" err="1"/>
-              <a:t>old</a:t>
-            </a:r>
-            <a:r>
-              <a:rPr lang="it-IT" dirty="0"/>
-              <a:t> are </a:t>
-            </a:r>
-            <a:r>
-              <a:rPr lang="it-IT" dirty="0" err="1"/>
-              <a:t>you</a:t>
-            </a:r>
-            <a:r>
-              <a:rPr lang="it-IT" dirty="0"/>
-              <a:t>?  </a:t>
-            </a:r>
-          </a:p>
-          <a:p>
-            <a:pPr marL="0" indent="0">
-              <a:buNone/>
-            </a:pPr>
-            <a:r>
-              <a:rPr lang="it-IT" dirty="0"/>
-              <a:t>2.</a:t>
-            </a:r>
-            <a:r>
-              <a:rPr lang="en-US" dirty="0"/>
-              <a:t>How much time do you spend to cook</a:t>
-            </a:r>
-            <a:r>
-              <a:rPr lang="it-IT" dirty="0"/>
-              <a:t>?</a:t>
-            </a:r>
-          </a:p>
-          <a:p>
-            <a:pPr marL="0" indent="0">
-              <a:buNone/>
-            </a:pPr>
-            <a:r>
-              <a:rPr lang="it-IT" dirty="0"/>
-              <a:t>3.H</a:t>
-            </a:r>
-            <a:r>
-              <a:rPr lang="it-IT" altLang="it-IT" dirty="0"/>
-              <a:t>ow long </a:t>
-            </a:r>
-            <a:r>
-              <a:rPr lang="it-IT" altLang="it-IT" dirty="0" err="1"/>
-              <a:t>would</a:t>
-            </a:r>
-            <a:r>
-              <a:rPr lang="it-IT" altLang="it-IT" dirty="0"/>
-              <a:t> </a:t>
-            </a:r>
-            <a:r>
-              <a:rPr lang="it-IT" altLang="it-IT" dirty="0" err="1"/>
-              <a:t>you</a:t>
-            </a:r>
-            <a:r>
-              <a:rPr lang="it-IT" altLang="it-IT" dirty="0"/>
-              <a:t> </a:t>
-            </a:r>
-            <a:r>
-              <a:rPr lang="it-IT" altLang="it-IT" dirty="0" err="1"/>
-              <a:t>like</a:t>
-            </a:r>
-            <a:r>
-              <a:rPr lang="it-IT" altLang="it-IT" dirty="0"/>
-              <a:t> to </a:t>
-            </a:r>
-            <a:r>
-              <a:rPr lang="it-IT" altLang="it-IT" dirty="0" err="1"/>
-              <a:t>spend</a:t>
-            </a:r>
-            <a:r>
-              <a:rPr lang="it-IT" altLang="it-IT" dirty="0"/>
-              <a:t> on </a:t>
-            </a:r>
-            <a:r>
-              <a:rPr lang="it-IT" altLang="it-IT" dirty="0" err="1"/>
-              <a:t>cooking</a:t>
-            </a:r>
-            <a:r>
-              <a:rPr lang="it-IT" altLang="it-IT" dirty="0"/>
-              <a:t>?</a:t>
-            </a:r>
-          </a:p>
-          <a:p>
-            <a:pPr marL="0" indent="0">
-              <a:buNone/>
-            </a:pPr>
-            <a:r>
-              <a:rPr lang="it-IT" altLang="it-IT" dirty="0"/>
-              <a:t>4.Do </a:t>
-            </a:r>
-            <a:r>
-              <a:rPr lang="it-IT" altLang="it-IT" dirty="0" err="1"/>
-              <a:t>you</a:t>
-            </a:r>
-            <a:r>
-              <a:rPr lang="it-IT" altLang="it-IT" dirty="0"/>
-              <a:t> </a:t>
-            </a:r>
-            <a:r>
-              <a:rPr lang="it-IT" altLang="it-IT" dirty="0" err="1"/>
-              <a:t>have</a:t>
-            </a:r>
-            <a:r>
-              <a:rPr lang="it-IT" altLang="it-IT" dirty="0"/>
-              <a:t> </a:t>
-            </a:r>
-            <a:r>
-              <a:rPr lang="it-IT" altLang="it-IT" dirty="0" err="1"/>
-              <a:t>imagination</a:t>
-            </a:r>
-            <a:r>
-              <a:rPr lang="it-IT" altLang="it-IT" dirty="0"/>
-              <a:t> in the </a:t>
-            </a:r>
-            <a:r>
-              <a:rPr lang="it-IT" altLang="it-IT" dirty="0" err="1"/>
-              <a:t>kitchen</a:t>
-            </a:r>
-            <a:r>
-              <a:rPr lang="it-IT" altLang="it-IT" dirty="0"/>
-              <a:t>? </a:t>
-            </a:r>
-          </a:p>
-          <a:p>
-            <a:pPr marL="0" indent="0">
-              <a:buNone/>
-            </a:pPr>
-            <a:r>
-              <a:rPr lang="it-IT" altLang="it-IT" dirty="0"/>
-              <a:t>5.</a:t>
-            </a:r>
-            <a:r>
-              <a:rPr lang="en-US" altLang="it-IT" dirty="0"/>
-              <a:t>W</a:t>
-            </a:r>
-            <a:r>
-              <a:rPr lang="en-US" dirty="0"/>
-              <a:t>hat you are looking for in a kitchen app?</a:t>
-            </a:r>
-            <a:endParaRPr lang="it-IT" altLang="it-IT" dirty="0"/>
-          </a:p>
-          <a:p>
-            <a:pPr marL="0" indent="0">
-              <a:buNone/>
-            </a:pPr>
-            <a:endParaRPr lang="it-IT" altLang="it-IT" dirty="0"/>
-          </a:p>
-          <a:p>
-            <a:pPr marL="0" indent="0">
-              <a:buNone/>
-            </a:pPr>
-            <a:endParaRPr lang="it-IT" dirty="0"/>
-          </a:p>
-        </p:txBody>
-      </p:sp>
-    </p:spTree>
-    <p:extLst>
-      <p:ext uri="{BB962C8B-B14F-4D97-AF65-F5344CB8AC3E}">
-        <p14:creationId xmlns:p14="http://schemas.microsoft.com/office/powerpoint/2010/main" val="277675616"/>
-      </p:ext>
-    </p:extLst>
-  </p:cSld>
-  <p:clrMapOvr>
-    <a:masterClrMapping/>
-  </p:clrMapOvr>
-</p:sld>
-</file>
-
 <file path=ppt/slides/slide8.xml><?xml version="1.0" encoding="utf-8"?>
 <p:sld xmlns:a="http://schemas.openxmlformats.org/drawingml/2006/main" xmlns:r="http://schemas.openxmlformats.org/officeDocument/2006/relationships" xmlns:p="http://schemas.openxmlformats.org/presentationml/2006/main">
   <p:cSld>
@@ -14364,7 +15168,7 @@
     </p:spTree>
     <p:extLst>
       <p:ext uri="{BB962C8B-B14F-4D97-AF65-F5344CB8AC3E}">
-        <p14:creationId xmlns:p14="http://schemas.microsoft.com/office/powerpoint/2010/main" val="703374312"/>
+        <p14:creationId xmlns:p14="http://schemas.microsoft.com/office/powerpoint/2010/main" val="2078206402"/>
       </p:ext>
     </p:extLst>
   </p:cSld>
@@ -14477,7 +15281,7 @@
     </p:spTree>
     <p:extLst>
       <p:ext uri="{BB962C8B-B14F-4D97-AF65-F5344CB8AC3E}">
-        <p14:creationId xmlns:p14="http://schemas.microsoft.com/office/powerpoint/2010/main" val="3352610769"/>
+        <p14:creationId xmlns:p14="http://schemas.microsoft.com/office/powerpoint/2010/main" val="4019736202"/>
       </p:ext>
     </p:extLst>
   </p:cSld>

--- a/CookWithMe.pptx
+++ b/CookWithMe.pptx
@@ -14,15 +14,16 @@
     <p:sldId id="261" r:id="rId8"/>
     <p:sldId id="262" r:id="rId9"/>
     <p:sldId id="265" r:id="rId10"/>
-    <p:sldId id="266" r:id="rId11"/>
-    <p:sldId id="267" r:id="rId12"/>
-    <p:sldId id="268" r:id="rId13"/>
-    <p:sldId id="269" r:id="rId14"/>
-    <p:sldId id="270" r:id="rId15"/>
-    <p:sldId id="271" r:id="rId16"/>
-    <p:sldId id="272" r:id="rId17"/>
-    <p:sldId id="273" r:id="rId18"/>
-    <p:sldId id="264" r:id="rId19"/>
+    <p:sldId id="275" r:id="rId11"/>
+    <p:sldId id="266" r:id="rId12"/>
+    <p:sldId id="267" r:id="rId13"/>
+    <p:sldId id="268" r:id="rId14"/>
+    <p:sldId id="269" r:id="rId15"/>
+    <p:sldId id="270" r:id="rId16"/>
+    <p:sldId id="271" r:id="rId17"/>
+    <p:sldId id="272" r:id="rId18"/>
+    <p:sldId id="273" r:id="rId19"/>
+    <p:sldId id="264" r:id="rId20"/>
   </p:sldIdLst>
   <p:sldSz cx="12192000" cy="6858000"/>
   <p:notesSz cx="6858000" cy="9144000"/>
@@ -258,7 +259,7 @@
           <a:p>
             <a:fld id="{F0739ED7-2197-49EB-BBDE-65DFFBA2CADC}" type="datetimeFigureOut">
               <a:rPr lang="it-IT" smtClean="0"/>
-              <a:t>05/04/2020</a:t>
+              <a:t>06/04/2020</a:t>
             </a:fld>
             <a:endParaRPr lang="it-IT"/>
           </a:p>
@@ -426,7 +427,7 @@
           <a:p>
             <a:fld id="{F0739ED7-2197-49EB-BBDE-65DFFBA2CADC}" type="datetimeFigureOut">
               <a:rPr lang="it-IT" smtClean="0"/>
-              <a:t>05/04/2020</a:t>
+              <a:t>06/04/2020</a:t>
             </a:fld>
             <a:endParaRPr lang="it-IT"/>
           </a:p>
@@ -604,7 +605,7 @@
           <a:p>
             <a:fld id="{F0739ED7-2197-49EB-BBDE-65DFFBA2CADC}" type="datetimeFigureOut">
               <a:rPr lang="it-IT" smtClean="0"/>
-              <a:t>05/04/2020</a:t>
+              <a:t>06/04/2020</a:t>
             </a:fld>
             <a:endParaRPr lang="it-IT"/>
           </a:p>
@@ -996,7 +997,7 @@
           <a:p>
             <a:fld id="{F0739ED7-2197-49EB-BBDE-65DFFBA2CADC}" type="datetimeFigureOut">
               <a:rPr lang="it-IT" smtClean="0"/>
-              <a:t>05/04/2020</a:t>
+              <a:t>06/04/2020</a:t>
             </a:fld>
             <a:endParaRPr lang="it-IT"/>
           </a:p>
@@ -1237,7 +1238,7 @@
           <a:p>
             <a:fld id="{F0739ED7-2197-49EB-BBDE-65DFFBA2CADC}" type="datetimeFigureOut">
               <a:rPr lang="it-IT" smtClean="0"/>
-              <a:t>05/04/2020</a:t>
+              <a:t>06/04/2020</a:t>
             </a:fld>
             <a:endParaRPr lang="it-IT"/>
           </a:p>
@@ -1485,7 +1486,7 @@
           <a:p>
             <a:fld id="{F0739ED7-2197-49EB-BBDE-65DFFBA2CADC}" type="datetimeFigureOut">
               <a:rPr lang="it-IT" smtClean="0"/>
-              <a:t>05/04/2020</a:t>
+              <a:t>06/04/2020</a:t>
             </a:fld>
             <a:endParaRPr lang="it-IT"/>
           </a:p>
@@ -1783,7 +1784,7 @@
           <a:p>
             <a:fld id="{F0739ED7-2197-49EB-BBDE-65DFFBA2CADC}" type="datetimeFigureOut">
               <a:rPr lang="it-IT" smtClean="0"/>
-              <a:t>05/04/2020</a:t>
+              <a:t>06/04/2020</a:t>
             </a:fld>
             <a:endParaRPr lang="it-IT"/>
           </a:p>
@@ -2177,7 +2178,7 @@
           <a:p>
             <a:fld id="{F0739ED7-2197-49EB-BBDE-65DFFBA2CADC}" type="datetimeFigureOut">
               <a:rPr lang="it-IT" smtClean="0"/>
-              <a:t>05/04/2020</a:t>
+              <a:t>06/04/2020</a:t>
             </a:fld>
             <a:endParaRPr lang="it-IT"/>
           </a:p>
@@ -2326,7 +2327,7 @@
           <a:p>
             <a:fld id="{F0739ED7-2197-49EB-BBDE-65DFFBA2CADC}" type="datetimeFigureOut">
               <a:rPr lang="it-IT" smtClean="0"/>
-              <a:t>05/04/2020</a:t>
+              <a:t>06/04/2020</a:t>
             </a:fld>
             <a:endParaRPr lang="it-IT"/>
           </a:p>
@@ -2452,7 +2453,7 @@
           <a:p>
             <a:fld id="{F0739ED7-2197-49EB-BBDE-65DFFBA2CADC}" type="datetimeFigureOut">
               <a:rPr lang="it-IT" smtClean="0"/>
-              <a:t>05/04/2020</a:t>
+              <a:t>06/04/2020</a:t>
             </a:fld>
             <a:endParaRPr lang="it-IT"/>
           </a:p>
@@ -2707,7 +2708,7 @@
           <a:p>
             <a:fld id="{F0739ED7-2197-49EB-BBDE-65DFFBA2CADC}" type="datetimeFigureOut">
               <a:rPr lang="it-IT" smtClean="0"/>
-              <a:t>05/04/2020</a:t>
+              <a:t>06/04/2020</a:t>
             </a:fld>
             <a:endParaRPr lang="it-IT"/>
           </a:p>
@@ -2906,7 +2907,7 @@
           <a:p>
             <a:fld id="{F0739ED7-2197-49EB-BBDE-65DFFBA2CADC}" type="datetimeFigureOut">
               <a:rPr lang="it-IT" smtClean="0"/>
-              <a:t>05/04/2020</a:t>
+              <a:t>06/04/2020</a:t>
             </a:fld>
             <a:endParaRPr lang="it-IT"/>
           </a:p>
@@ -3190,7 +3191,7 @@
           <a:p>
             <a:fld id="{F0739ED7-2197-49EB-BBDE-65DFFBA2CADC}" type="datetimeFigureOut">
               <a:rPr lang="it-IT" smtClean="0"/>
-              <a:t>05/04/2020</a:t>
+              <a:t>06/04/2020</a:t>
             </a:fld>
             <a:endParaRPr lang="it-IT"/>
           </a:p>
@@ -3474,7 +3475,7 @@
           <a:p>
             <a:fld id="{F0739ED7-2197-49EB-BBDE-65DFFBA2CADC}" type="datetimeFigureOut">
               <a:rPr lang="it-IT" smtClean="0"/>
-              <a:t>05/04/2020</a:t>
+              <a:t>06/04/2020</a:t>
             </a:fld>
             <a:endParaRPr lang="it-IT"/>
           </a:p>
@@ -3722,7 +3723,7 @@
           <a:p>
             <a:fld id="{F0739ED7-2197-49EB-BBDE-65DFFBA2CADC}" type="datetimeFigureOut">
               <a:rPr lang="it-IT" smtClean="0"/>
-              <a:t>05/04/2020</a:t>
+              <a:t>06/04/2020</a:t>
             </a:fld>
             <a:endParaRPr lang="it-IT"/>
           </a:p>
@@ -4061,7 +4062,7 @@
           <a:p>
             <a:fld id="{F0739ED7-2197-49EB-BBDE-65DFFBA2CADC}" type="datetimeFigureOut">
               <a:rPr lang="it-IT" smtClean="0"/>
-              <a:t>05/04/2020</a:t>
+              <a:t>06/04/2020</a:t>
             </a:fld>
             <a:endParaRPr lang="it-IT"/>
           </a:p>
@@ -4408,7 +4409,7 @@
           <a:p>
             <a:fld id="{F0739ED7-2197-49EB-BBDE-65DFFBA2CADC}" type="datetimeFigureOut">
               <a:rPr lang="it-IT" smtClean="0"/>
-              <a:t>05/04/2020</a:t>
+              <a:t>06/04/2020</a:t>
             </a:fld>
             <a:endParaRPr lang="it-IT"/>
           </a:p>
@@ -4782,7 +4783,7 @@
           <a:p>
             <a:fld id="{F0739ED7-2197-49EB-BBDE-65DFFBA2CADC}" type="datetimeFigureOut">
               <a:rPr lang="it-IT" smtClean="0"/>
-              <a:t>05/04/2020</a:t>
+              <a:t>06/04/2020</a:t>
             </a:fld>
             <a:endParaRPr lang="it-IT"/>
           </a:p>
@@ -5252,7 +5253,7 @@
           <a:p>
             <a:fld id="{F0739ED7-2197-49EB-BBDE-65DFFBA2CADC}" type="datetimeFigureOut">
               <a:rPr lang="it-IT" smtClean="0"/>
-              <a:t>05/04/2020</a:t>
+              <a:t>06/04/2020</a:t>
             </a:fld>
             <a:endParaRPr lang="it-IT"/>
           </a:p>
@@ -5457,7 +5458,7 @@
           <a:p>
             <a:fld id="{F0739ED7-2197-49EB-BBDE-65DFFBA2CADC}" type="datetimeFigureOut">
               <a:rPr lang="it-IT" smtClean="0"/>
-              <a:t>05/04/2020</a:t>
+              <a:t>06/04/2020</a:t>
             </a:fld>
             <a:endParaRPr lang="it-IT"/>
           </a:p>
@@ -5668,7 +5669,7 @@
           <a:p>
             <a:fld id="{F0739ED7-2197-49EB-BBDE-65DFFBA2CADC}" type="datetimeFigureOut">
               <a:rPr lang="it-IT" smtClean="0"/>
-              <a:t>05/04/2020</a:t>
+              <a:t>06/04/2020</a:t>
             </a:fld>
             <a:endParaRPr lang="it-IT"/>
           </a:p>
@@ -5944,7 +5945,7 @@
           <a:p>
             <a:fld id="{F0739ED7-2197-49EB-BBDE-65DFFBA2CADC}" type="datetimeFigureOut">
               <a:rPr lang="it-IT" smtClean="0"/>
-              <a:t>05/04/2020</a:t>
+              <a:t>06/04/2020</a:t>
             </a:fld>
             <a:endParaRPr lang="it-IT"/>
           </a:p>
@@ -6173,7 +6174,7 @@
           <a:p>
             <a:fld id="{F0739ED7-2197-49EB-BBDE-65DFFBA2CADC}" type="datetimeFigureOut">
               <a:rPr lang="it-IT" smtClean="0"/>
-              <a:t>05/04/2020</a:t>
+              <a:t>06/04/2020</a:t>
             </a:fld>
             <a:endParaRPr lang="it-IT"/>
           </a:p>
@@ -6537,7 +6538,7 @@
           <a:p>
             <a:fld id="{F0739ED7-2197-49EB-BBDE-65DFFBA2CADC}" type="datetimeFigureOut">
               <a:rPr lang="it-IT" smtClean="0"/>
-              <a:t>05/04/2020</a:t>
+              <a:t>06/04/2020</a:t>
             </a:fld>
             <a:endParaRPr lang="it-IT"/>
           </a:p>
@@ -6654,7 +6655,7 @@
           <a:p>
             <a:fld id="{F0739ED7-2197-49EB-BBDE-65DFFBA2CADC}" type="datetimeFigureOut">
               <a:rPr lang="it-IT" smtClean="0"/>
-              <a:t>05/04/2020</a:t>
+              <a:t>06/04/2020</a:t>
             </a:fld>
             <a:endParaRPr lang="it-IT"/>
           </a:p>
@@ -6749,7 +6750,7 @@
           <a:p>
             <a:fld id="{F0739ED7-2197-49EB-BBDE-65DFFBA2CADC}" type="datetimeFigureOut">
               <a:rPr lang="it-IT" smtClean="0"/>
-              <a:t>05/04/2020</a:t>
+              <a:t>06/04/2020</a:t>
             </a:fld>
             <a:endParaRPr lang="it-IT"/>
           </a:p>
@@ -7024,7 +7025,7 @@
           <a:p>
             <a:fld id="{F0739ED7-2197-49EB-BBDE-65DFFBA2CADC}" type="datetimeFigureOut">
               <a:rPr lang="it-IT" smtClean="0"/>
-              <a:t>05/04/2020</a:t>
+              <a:t>06/04/2020</a:t>
             </a:fld>
             <a:endParaRPr lang="it-IT"/>
           </a:p>
@@ -7276,7 +7277,7 @@
           <a:p>
             <a:fld id="{F0739ED7-2197-49EB-BBDE-65DFFBA2CADC}" type="datetimeFigureOut">
               <a:rPr lang="it-IT" smtClean="0"/>
-              <a:t>05/04/2020</a:t>
+              <a:t>06/04/2020</a:t>
             </a:fld>
             <a:endParaRPr lang="it-IT"/>
           </a:p>
@@ -7487,7 +7488,7 @@
           <a:p>
             <a:fld id="{F0739ED7-2197-49EB-BBDE-65DFFBA2CADC}" type="datetimeFigureOut">
               <a:rPr lang="it-IT" smtClean="0"/>
-              <a:t>05/04/2020</a:t>
+              <a:t>06/04/2020</a:t>
             </a:fld>
             <a:endParaRPr lang="it-IT"/>
           </a:p>
@@ -8165,7 +8166,7 @@
           <a:p>
             <a:fld id="{F0739ED7-2197-49EB-BBDE-65DFFBA2CADC}" type="datetimeFigureOut">
               <a:rPr lang="it-IT" smtClean="0"/>
-              <a:t>05/04/2020</a:t>
+              <a:t>06/04/2020</a:t>
             </a:fld>
             <a:endParaRPr lang="it-IT"/>
           </a:p>
@@ -8958,6 +8959,119 @@
           <a:lstStyle/>
           <a:p>
             <a:r>
+              <a:rPr lang="it-IT" dirty="0"/>
+              <a:t>Focus Group</a:t>
+            </a:r>
+          </a:p>
+        </p:txBody>
+      </p:sp>
+      <p:sp>
+        <p:nvSpPr>
+          <p:cNvPr id="3" name="Segnaposto contenuto 2"/>
+          <p:cNvSpPr>
+            <a:spLocks noGrp="1"/>
+          </p:cNvSpPr>
+          <p:nvPr>
+            <p:ph idx="1"/>
+          </p:nvPr>
+        </p:nvSpPr>
+        <p:spPr>
+          <a:xfrm>
+            <a:off x="1295402" y="2456919"/>
+            <a:ext cx="9601196" cy="3318936"/>
+          </a:xfrm>
+        </p:spPr>
+        <p:txBody>
+          <a:bodyPr>
+            <a:noAutofit/>
+          </a:bodyPr>
+          <a:lstStyle/>
+          <a:p>
+            <a:pPr marL="0" indent="0">
+              <a:buNone/>
+            </a:pPr>
+            <a:r>
+              <a:rPr lang="en-GB" sz="2800" dirty="0"/>
+              <a:t>The discussion is divided into two main parts:</a:t>
+            </a:r>
+          </a:p>
+          <a:p>
+            <a:pPr marL="457200" indent="-457200">
+              <a:buFont typeface="+mj-lt"/>
+              <a:buAutoNum type="arabicPeriod"/>
+            </a:pPr>
+            <a:r>
+              <a:rPr lang="en-GB" sz="2800" dirty="0"/>
+              <a:t> first part is a </a:t>
+            </a:r>
+            <a:r>
+              <a:rPr lang="en-GB" sz="2800" u="sng" dirty="0"/>
+              <a:t>warmup</a:t>
+            </a:r>
+            <a:r>
+              <a:rPr lang="en-GB" sz="2800" dirty="0"/>
+              <a:t> where each member introduces himself to the group and answer about few questions about him habits in the kitchen. </a:t>
+            </a:r>
+          </a:p>
+          <a:p>
+            <a:pPr marL="457200" indent="-457200">
+              <a:buFont typeface="+mj-lt"/>
+              <a:buAutoNum type="arabicPeriod"/>
+            </a:pPr>
+            <a:r>
+              <a:rPr lang="en-GB" sz="2800" dirty="0"/>
+              <a:t>The second part is the debate about the service and how they think it should work.</a:t>
+            </a:r>
+            <a:endParaRPr lang="it-IT" sz="2800" dirty="0"/>
+          </a:p>
+        </p:txBody>
+      </p:sp>
+    </p:spTree>
+    <p:extLst>
+      <p:ext uri="{BB962C8B-B14F-4D97-AF65-F5344CB8AC3E}">
+        <p14:creationId xmlns:p14="http://schemas.microsoft.com/office/powerpoint/2010/main" val="4019736202"/>
+      </p:ext>
+    </p:extLst>
+  </p:cSld>
+  <p:clrMapOvr>
+    <a:masterClrMapping/>
+  </p:clrMapOvr>
+</p:sld>
+</file>
+
+<file path=ppt/slides/slide11.xml><?xml version="1.0" encoding="utf-8"?>
+<p:sld xmlns:a="http://schemas.openxmlformats.org/drawingml/2006/main" xmlns:r="http://schemas.openxmlformats.org/officeDocument/2006/relationships" xmlns:p="http://schemas.openxmlformats.org/presentationml/2006/main">
+  <p:cSld>
+    <p:spTree>
+      <p:nvGrpSpPr>
+        <p:cNvPr id="1" name=""/>
+        <p:cNvGrpSpPr/>
+        <p:nvPr/>
+      </p:nvGrpSpPr>
+      <p:grpSpPr>
+        <a:xfrm>
+          <a:off x="0" y="0"/>
+          <a:ext cx="0" cy="0"/>
+          <a:chOff x="0" y="0"/>
+          <a:chExt cx="0" cy="0"/>
+        </a:xfrm>
+      </p:grpSpPr>
+      <p:sp>
+        <p:nvSpPr>
+          <p:cNvPr id="2" name="Titolo 1"/>
+          <p:cNvSpPr>
+            <a:spLocks noGrp="1"/>
+          </p:cNvSpPr>
+          <p:nvPr>
+            <p:ph type="title"/>
+          </p:nvPr>
+        </p:nvSpPr>
+        <p:spPr/>
+        <p:txBody>
+          <a:bodyPr/>
+          <a:lstStyle/>
+          <a:p>
+            <a:r>
               <a:rPr lang="en-US" dirty="0"/>
               <a:t>Focus Group – Warmup QA</a:t>
             </a:r>
@@ -9578,103 +9692,6 @@
 </p:sld>
 </file>
 
-<file path=ppt/slides/slide11.xml><?xml version="1.0" encoding="utf-8"?>
-<p:sld xmlns:a="http://schemas.openxmlformats.org/drawingml/2006/main" xmlns:r="http://schemas.openxmlformats.org/officeDocument/2006/relationships" xmlns:p="http://schemas.openxmlformats.org/presentationml/2006/main">
-  <p:cSld>
-    <p:spTree>
-      <p:nvGrpSpPr>
-        <p:cNvPr id="1" name=""/>
-        <p:cNvGrpSpPr/>
-        <p:nvPr/>
-      </p:nvGrpSpPr>
-      <p:grpSpPr>
-        <a:xfrm>
-          <a:off x="0" y="0"/>
-          <a:ext cx="0" cy="0"/>
-          <a:chOff x="0" y="0"/>
-          <a:chExt cx="0" cy="0"/>
-        </a:xfrm>
-      </p:grpSpPr>
-      <p:sp>
-        <p:nvSpPr>
-          <p:cNvPr id="2" name="Titolo 1"/>
-          <p:cNvSpPr>
-            <a:spLocks noGrp="1"/>
-          </p:cNvSpPr>
-          <p:nvPr>
-            <p:ph type="title"/>
-          </p:nvPr>
-        </p:nvSpPr>
-        <p:spPr/>
-        <p:txBody>
-          <a:bodyPr/>
-          <a:lstStyle/>
-          <a:p>
-            <a:r>
-              <a:rPr lang="en-US" dirty="0"/>
-              <a:t>Focus Group – Discussion of the Product</a:t>
-            </a:r>
-            <a:endParaRPr lang="it-IT" dirty="0"/>
-          </a:p>
-        </p:txBody>
-      </p:sp>
-      <p:sp>
-        <p:nvSpPr>
-          <p:cNvPr id="3" name="Segnaposto contenuto 2"/>
-          <p:cNvSpPr>
-            <a:spLocks noGrp="1"/>
-          </p:cNvSpPr>
-          <p:nvPr>
-            <p:ph idx="1"/>
-          </p:nvPr>
-        </p:nvSpPr>
-        <p:spPr/>
-        <p:txBody>
-          <a:bodyPr>
-            <a:normAutofit/>
-          </a:bodyPr>
-          <a:lstStyle/>
-          <a:p>
-            <a:pPr marL="0" indent="0">
-              <a:buNone/>
-            </a:pPr>
-            <a:r>
-              <a:rPr lang="en-GB" sz="3200" dirty="0"/>
-              <a:t>The moderator introduces the “</a:t>
-            </a:r>
-            <a:r>
-              <a:rPr lang="en-GB" sz="3200" dirty="0" err="1"/>
-              <a:t>CookWithMe</a:t>
-            </a:r>
-            <a:r>
-              <a:rPr lang="en-GB" sz="3200" dirty="0"/>
-              <a:t>” idea, asks to the group which kind of functionalities they expect and invites the group to debate on each other’s opinions. </a:t>
-            </a:r>
-          </a:p>
-          <a:p>
-            <a:pPr marL="0" indent="0">
-              <a:buNone/>
-            </a:pPr>
-            <a:r>
-              <a:rPr lang="en-GB" sz="3200" dirty="0"/>
-              <a:t>As a result, lot of functions we do not even thought about came out and we had a different perspective on the product we are going to implement!</a:t>
-            </a:r>
-          </a:p>
-        </p:txBody>
-      </p:sp>
-    </p:spTree>
-    <p:extLst>
-      <p:ext uri="{BB962C8B-B14F-4D97-AF65-F5344CB8AC3E}">
-        <p14:creationId xmlns:p14="http://schemas.microsoft.com/office/powerpoint/2010/main" val="3707567470"/>
-      </p:ext>
-    </p:extLst>
-  </p:cSld>
-  <p:clrMapOvr>
-    <a:masterClrMapping/>
-  </p:clrMapOvr>
-</p:sld>
-</file>
-
 <file path=ppt/slides/slide12.xml><?xml version="1.0" encoding="utf-8"?>
 <p:sld xmlns:a="http://schemas.openxmlformats.org/drawingml/2006/main" xmlns:r="http://schemas.openxmlformats.org/officeDocument/2006/relationships" xmlns:p="http://schemas.openxmlformats.org/presentationml/2006/main">
   <p:cSld>
@@ -9728,7 +9745,7 @@
         <p:spPr/>
         <p:txBody>
           <a:bodyPr>
-            <a:normAutofit fontScale="92500" lnSpcReduction="20000"/>
+            <a:normAutofit/>
           </a:bodyPr>
           <a:lstStyle/>
           <a:p>
@@ -9736,53 +9753,33 @@
               <a:buNone/>
             </a:pPr>
             <a:r>
-              <a:rPr lang="en-GB" sz="3200"/>
-              <a:t>Necessity emerged from Focus group Users:</a:t>
-            </a:r>
-          </a:p>
-          <a:p>
-            <a:pPr>
-              <a:buFont typeface="Wingdings" panose="05000000000000000000" pitchFamily="2" charset="2"/>
-              <a:buChar char="§"/>
+              <a:rPr lang="en-GB" sz="3200" dirty="0"/>
+              <a:t>The moderator introduces the “</a:t>
+            </a:r>
+            <a:r>
+              <a:rPr lang="en-GB" sz="3200" dirty="0" err="1"/>
+              <a:t>CookWithMe</a:t>
+            </a:r>
+            <a:r>
+              <a:rPr lang="en-GB" sz="3200" dirty="0"/>
+              <a:t>” idea, asks to the group which kind of functionalities they expect and invites the group to debate on each other’s opinions. </a:t>
+            </a:r>
+          </a:p>
+          <a:p>
+            <a:pPr marL="0" indent="0">
+              <a:buNone/>
             </a:pPr>
             <a:r>
-              <a:rPr lang="en-GB" sz="3200"/>
-              <a:t>The app should advise for dishes with same ingredients but that represent a different plate.</a:t>
-            </a:r>
-          </a:p>
-          <a:p>
-            <a:pPr>
-              <a:buFont typeface="Wingdings" panose="05000000000000000000" pitchFamily="2" charset="2"/>
-              <a:buChar char="§"/>
-            </a:pPr>
-            <a:r>
-              <a:rPr lang="en-GB" sz="3200"/>
-              <a:t>The app should give suggestion on what to buy to integrate what I have home to cook a nice meal (this must be balanced with suggestions using only what I have home).</a:t>
-            </a:r>
-          </a:p>
-          <a:p>
-            <a:pPr>
-              <a:buFont typeface="Wingdings" panose="05000000000000000000" pitchFamily="2" charset="2"/>
-              <a:buChar char="§"/>
-            </a:pPr>
-            <a:r>
-              <a:rPr lang="en-GB" sz="3200"/>
-              <a:t>Qualified sources (no ananas on the pizza).</a:t>
-            </a:r>
-          </a:p>
-          <a:p>
-            <a:pPr>
-              <a:buFont typeface="Wingdings" panose="05000000000000000000" pitchFamily="2" charset="2"/>
-              <a:buChar char="§"/>
-            </a:pPr>
-            <a:endParaRPr lang="en-GB" sz="3200" dirty="0"/>
+              <a:rPr lang="en-GB" sz="3200" dirty="0"/>
+              <a:t>As a result, lot of functions we do not even thought about came out and we had a different perspective on the product we are going to implement!</a:t>
+            </a:r>
           </a:p>
         </p:txBody>
       </p:sp>
     </p:spTree>
     <p:extLst>
       <p:ext uri="{BB962C8B-B14F-4D97-AF65-F5344CB8AC3E}">
-        <p14:creationId xmlns:p14="http://schemas.microsoft.com/office/powerpoint/2010/main" val="1191548828"/>
+        <p14:creationId xmlns:p14="http://schemas.microsoft.com/office/powerpoint/2010/main" val="3707567470"/>
       </p:ext>
     </p:extLst>
   </p:cSld>
@@ -9853,7 +9850,7 @@
               <a:buNone/>
             </a:pPr>
             <a:r>
-              <a:rPr lang="en-GB" sz="3200" dirty="0"/>
+              <a:rPr lang="en-GB" sz="3200"/>
               <a:t>Necessity emerged from Focus group Users:</a:t>
             </a:r>
           </a:p>
@@ -9863,8 +9860,8 @@
               <a:buChar char="§"/>
             </a:pPr>
             <a:r>
-              <a:rPr lang="en-GB" sz="3200" dirty="0"/>
-              <a:t>User enters their own skill level and they are offered recipes based on it.</a:t>
+              <a:rPr lang="en-GB" sz="3200"/>
+              <a:t>The app should advise for dishes with same ingredients but that represent a different plate.</a:t>
             </a:r>
           </a:p>
           <a:p>
@@ -9873,8 +9870,8 @@
               <a:buChar char="§"/>
             </a:pPr>
             <a:r>
-              <a:rPr lang="en-GB" sz="3200" dirty="0"/>
-              <a:t>Filters based on recipe difficulty, time needed, price of ingredients I do not have.</a:t>
+              <a:rPr lang="en-GB" sz="3200"/>
+              <a:t>The app should give suggestion on what to buy to integrate what I have home to cook a nice meal (this must be balanced with suggestions using only what I have home).</a:t>
             </a:r>
           </a:p>
           <a:p>
@@ -9883,16 +9880,23 @@
               <a:buChar char="§"/>
             </a:pPr>
             <a:r>
-              <a:rPr lang="en-GB" sz="3200" dirty="0"/>
-              <a:t>Give importance to vegan people or people with some food intolerance.</a:t>
-            </a:r>
+              <a:rPr lang="en-GB" sz="3200"/>
+              <a:t>Qualified sources (no ananas on the pizza).</a:t>
+            </a:r>
+          </a:p>
+          <a:p>
+            <a:pPr>
+              <a:buFont typeface="Wingdings" panose="05000000000000000000" pitchFamily="2" charset="2"/>
+              <a:buChar char="§"/>
+            </a:pPr>
+            <a:endParaRPr lang="en-GB" sz="3200" dirty="0"/>
           </a:p>
         </p:txBody>
       </p:sp>
     </p:spTree>
     <p:extLst>
       <p:ext uri="{BB962C8B-B14F-4D97-AF65-F5344CB8AC3E}">
-        <p14:creationId xmlns:p14="http://schemas.microsoft.com/office/powerpoint/2010/main" val="3974973235"/>
+        <p14:creationId xmlns:p14="http://schemas.microsoft.com/office/powerpoint/2010/main" val="1191548828"/>
       </p:ext>
     </p:extLst>
   </p:cSld>
@@ -9921,13 +9925,7 @@
       </p:grpSpPr>
       <p:sp>
         <p:nvSpPr>
-          <p:cNvPr id="2" name="Titolo 1">
-            <a:extLst>
-              <a:ext uri="{FF2B5EF4-FFF2-40B4-BE49-F238E27FC236}">
-                <a16:creationId xmlns:a16="http://schemas.microsoft.com/office/drawing/2014/main" id="{D2606FB2-5ACC-43DC-B016-258D31F4285C}"/>
-              </a:ext>
-            </a:extLst>
-          </p:cNvPr>
+          <p:cNvPr id="2" name="Titolo 1"/>
           <p:cNvSpPr>
             <a:spLocks noGrp="1"/>
           </p:cNvSpPr>
@@ -9941,21 +9939,16 @@
           <a:lstStyle/>
           <a:p>
             <a:r>
-              <a:rPr lang="en-GB" dirty="0"/>
-              <a:t>Single Interviews</a:t>
-            </a:r>
-          </a:p>
-        </p:txBody>
-      </p:sp>
-      <p:sp>
-        <p:nvSpPr>
-          <p:cNvPr id="3" name="Segnaposto contenuto 2">
-            <a:extLst>
-              <a:ext uri="{FF2B5EF4-FFF2-40B4-BE49-F238E27FC236}">
-                <a16:creationId xmlns:a16="http://schemas.microsoft.com/office/drawing/2014/main" id="{8A315113-6C04-45BF-AEC2-C212534DACAE}"/>
-              </a:ext>
-            </a:extLst>
-          </p:cNvPr>
+              <a:rPr lang="en-US" dirty="0"/>
+              <a:t>Focus Group – Discussion of the Product</a:t>
+            </a:r>
+            <a:endParaRPr lang="it-IT" dirty="0"/>
+          </a:p>
+        </p:txBody>
+      </p:sp>
+      <p:sp>
+        <p:nvSpPr>
+          <p:cNvPr id="3" name="Segnaposto contenuto 2"/>
           <p:cNvSpPr>
             <a:spLocks noGrp="1"/>
           </p:cNvSpPr>
@@ -9965,38 +9958,55 @@
         </p:nvSpPr>
         <p:spPr/>
         <p:txBody>
-          <a:bodyPr/>
+          <a:bodyPr>
+            <a:normAutofit fontScale="92500" lnSpcReduction="20000"/>
+          </a:bodyPr>
           <a:lstStyle/>
           <a:p>
             <a:pPr marL="0" indent="0">
               <a:buNone/>
             </a:pPr>
             <a:r>
-              <a:rPr lang="en-GB" sz="2800" dirty="0"/>
-              <a:t>Six people were interviewed. </a:t>
-            </a:r>
-          </a:p>
-          <a:p>
-            <a:pPr marL="0" indent="0">
-              <a:buNone/>
+              <a:rPr lang="en-GB" sz="3200" dirty="0"/>
+              <a:t>Necessity emerged from Focus group Users:</a:t>
+            </a:r>
+          </a:p>
+          <a:p>
+            <a:pPr>
+              <a:buFont typeface="Wingdings" panose="05000000000000000000" pitchFamily="2" charset="2"/>
+              <a:buChar char="§"/>
             </a:pPr>
             <a:r>
-              <a:rPr lang="en-GB" sz="2800" dirty="0"/>
-              <a:t>The interviews were used for a better understanding of the target. As a result  we have see how cooking is appreciated at all ages, from passion to daily cooking. The responses of the interested parties show us how each of the interviewees is concerned about not wasting ingredients and optimizing their use. </a:t>
-            </a:r>
-          </a:p>
-          <a:p>
-            <a:endParaRPr lang="en-GB" dirty="0"/>
-          </a:p>
-          <a:p>
-            <a:endParaRPr lang="en-GB" dirty="0"/>
+              <a:rPr lang="en-GB" sz="3200" dirty="0"/>
+              <a:t>User enters their own skill level and they are offered recipes based on it.</a:t>
+            </a:r>
+          </a:p>
+          <a:p>
+            <a:pPr>
+              <a:buFont typeface="Wingdings" panose="05000000000000000000" pitchFamily="2" charset="2"/>
+              <a:buChar char="§"/>
+            </a:pPr>
+            <a:r>
+              <a:rPr lang="en-GB" sz="3200" dirty="0"/>
+              <a:t>Filters based on recipe difficulty, time needed, price of ingredients I do not have.</a:t>
+            </a:r>
+          </a:p>
+          <a:p>
+            <a:pPr>
+              <a:buFont typeface="Wingdings" panose="05000000000000000000" pitchFamily="2" charset="2"/>
+              <a:buChar char="§"/>
+            </a:pPr>
+            <a:r>
+              <a:rPr lang="en-GB" sz="3200" dirty="0"/>
+              <a:t>Give importance to vegan people or people with some food intolerance.</a:t>
+            </a:r>
           </a:p>
         </p:txBody>
       </p:sp>
     </p:spTree>
     <p:extLst>
       <p:ext uri="{BB962C8B-B14F-4D97-AF65-F5344CB8AC3E}">
-        <p14:creationId xmlns:p14="http://schemas.microsoft.com/office/powerpoint/2010/main" val="3288502427"/>
+        <p14:creationId xmlns:p14="http://schemas.microsoft.com/office/powerpoint/2010/main" val="3974973235"/>
       </p:ext>
     </p:extLst>
   </p:cSld>
@@ -10077,7 +10087,7 @@
             </a:pPr>
             <a:r>
               <a:rPr lang="en-GB" sz="2800" dirty="0"/>
-              <a:t>As there was no discussion, there were not many ideas to improve the service, but It emerged the focus on the idea of making it as visual as possible, even with video recipes. </a:t>
+              <a:t>Six people were interviewed. </a:t>
             </a:r>
           </a:p>
           <a:p>
@@ -10086,8 +10096,13 @@
             </a:pPr>
             <a:r>
               <a:rPr lang="en-GB" sz="2800" dirty="0"/>
-              <a:t>Furthermore the application itself must be intuitive so that it is easy to use for all ages.</a:t>
-            </a:r>
+              <a:t>The interviews were used for a better understanding of the target. As a result  we have see how cooking is appreciated at all ages, from passion to daily cooking. The responses of the interested parties show us how each of the interviewees is concerned about not wasting ingredients and optimizing their use. </a:t>
+            </a:r>
+          </a:p>
+          <a:p>
+            <a:endParaRPr lang="en-GB" dirty="0"/>
+          </a:p>
+          <a:p>
             <a:endParaRPr lang="en-GB" dirty="0"/>
           </a:p>
         </p:txBody>
@@ -10095,7 +10110,7 @@
     </p:spTree>
     <p:extLst>
       <p:ext uri="{BB962C8B-B14F-4D97-AF65-F5344CB8AC3E}">
-        <p14:creationId xmlns:p14="http://schemas.microsoft.com/office/powerpoint/2010/main" val="1545865788"/>
+        <p14:creationId xmlns:p14="http://schemas.microsoft.com/office/powerpoint/2010/main" val="3288502427"/>
       </p:ext>
     </p:extLst>
   </p:cSld>
@@ -10145,6 +10160,105 @@
           <a:p>
             <a:r>
               <a:rPr lang="en-GB" dirty="0"/>
+              <a:t>Single Interviews</a:t>
+            </a:r>
+          </a:p>
+        </p:txBody>
+      </p:sp>
+      <p:sp>
+        <p:nvSpPr>
+          <p:cNvPr id="3" name="Segnaposto contenuto 2">
+            <a:extLst>
+              <a:ext uri="{FF2B5EF4-FFF2-40B4-BE49-F238E27FC236}">
+                <a16:creationId xmlns:a16="http://schemas.microsoft.com/office/drawing/2014/main" id="{8A315113-6C04-45BF-AEC2-C212534DACAE}"/>
+              </a:ext>
+            </a:extLst>
+          </p:cNvPr>
+          <p:cNvSpPr>
+            <a:spLocks noGrp="1"/>
+          </p:cNvSpPr>
+          <p:nvPr>
+            <p:ph idx="1"/>
+          </p:nvPr>
+        </p:nvSpPr>
+        <p:spPr/>
+        <p:txBody>
+          <a:bodyPr/>
+          <a:lstStyle/>
+          <a:p>
+            <a:pPr marL="0" indent="0">
+              <a:buNone/>
+            </a:pPr>
+            <a:r>
+              <a:rPr lang="en-GB" sz="2800" dirty="0"/>
+              <a:t>As there was no discussion, there were not many ideas to improve the service, but It emerged the focus on the idea of making it as visual as possible, even with video recipes. </a:t>
+            </a:r>
+          </a:p>
+          <a:p>
+            <a:pPr marL="0" indent="0">
+              <a:buNone/>
+            </a:pPr>
+            <a:r>
+              <a:rPr lang="en-GB" sz="2800" dirty="0"/>
+              <a:t>Furthermore the application itself must be intuitive so that it is easy to use for all ages.</a:t>
+            </a:r>
+            <a:endParaRPr lang="en-GB" dirty="0"/>
+          </a:p>
+        </p:txBody>
+      </p:sp>
+    </p:spTree>
+    <p:extLst>
+      <p:ext uri="{BB962C8B-B14F-4D97-AF65-F5344CB8AC3E}">
+        <p14:creationId xmlns:p14="http://schemas.microsoft.com/office/powerpoint/2010/main" val="1545865788"/>
+      </p:ext>
+    </p:extLst>
+  </p:cSld>
+  <p:clrMapOvr>
+    <a:masterClrMapping/>
+  </p:clrMapOvr>
+</p:sld>
+</file>
+
+<file path=ppt/slides/slide17.xml><?xml version="1.0" encoding="utf-8"?>
+<p:sld xmlns:a="http://schemas.openxmlformats.org/drawingml/2006/main" xmlns:r="http://schemas.openxmlformats.org/officeDocument/2006/relationships" xmlns:p="http://schemas.openxmlformats.org/presentationml/2006/main">
+  <p:cSld>
+    <p:spTree>
+      <p:nvGrpSpPr>
+        <p:cNvPr id="1" name=""/>
+        <p:cNvGrpSpPr/>
+        <p:nvPr/>
+      </p:nvGrpSpPr>
+      <p:grpSpPr>
+        <a:xfrm>
+          <a:off x="0" y="0"/>
+          <a:ext cx="0" cy="0"/>
+          <a:chOff x="0" y="0"/>
+          <a:chExt cx="0" cy="0"/>
+        </a:xfrm>
+      </p:grpSpPr>
+      <p:sp>
+        <p:nvSpPr>
+          <p:cNvPr id="2" name="Titolo 1">
+            <a:extLst>
+              <a:ext uri="{FF2B5EF4-FFF2-40B4-BE49-F238E27FC236}">
+                <a16:creationId xmlns:a16="http://schemas.microsoft.com/office/drawing/2014/main" id="{D2606FB2-5ACC-43DC-B016-258D31F4285C}"/>
+              </a:ext>
+            </a:extLst>
+          </p:cNvPr>
+          <p:cNvSpPr>
+            <a:spLocks noGrp="1"/>
+          </p:cNvSpPr>
+          <p:nvPr>
+            <p:ph type="title"/>
+          </p:nvPr>
+        </p:nvSpPr>
+        <p:spPr/>
+        <p:txBody>
+          <a:bodyPr/>
+          <a:lstStyle/>
+          <a:p>
+            <a:r>
+              <a:rPr lang="en-GB" dirty="0"/>
               <a:t>Focus Group vs. Interviews</a:t>
             </a:r>
           </a:p>
@@ -10204,7 +10318,7 @@
 </p:sld>
 </file>
 
-<file path=ppt/slides/slide17.xml><?xml version="1.0" encoding="utf-8"?>
+<file path=ppt/slides/slide18.xml><?xml version="1.0" encoding="utf-8"?>
 <p:sld xmlns:a="http://schemas.openxmlformats.org/drawingml/2006/main" xmlns:r="http://schemas.openxmlformats.org/officeDocument/2006/relationships" xmlns:p="http://schemas.openxmlformats.org/presentationml/2006/main">
   <p:cSld>
     <p:spTree>
@@ -10841,8 +10955,13 @@
           <a:p>
             <a:r>
               <a:rPr lang="en-US" sz="2800" dirty="0"/>
-              <a:t>Passion: cooking </a:t>
-            </a:r>
+              <a:t>Passion</a:t>
+            </a:r>
+            <a:r>
+              <a:rPr lang="en-US" sz="2800"/>
+              <a:t>: any </a:t>
+            </a:r>
+            <a:endParaRPr lang="en-US" sz="2800" dirty="0"/>
           </a:p>
           <a:p>
             <a:endParaRPr lang="en-GB" sz="2800" dirty="0"/>
@@ -15211,8 +15330,8 @@
           <a:lstStyle/>
           <a:p>
             <a:r>
-              <a:rPr lang="it-IT" dirty="0"/>
-              <a:t>Focus Group</a:t>
+              <a:rPr lang="en-US" dirty="0"/>
+              <a:t>Focus Group Members</a:t>
             </a:r>
           </a:p>
         </p:txBody>
@@ -15224,64 +15343,97 @@
             <a:spLocks noGrp="1"/>
           </p:cNvSpPr>
           <p:nvPr>
-            <p:ph idx="1"/>
-          </p:nvPr>
-        </p:nvSpPr>
-        <p:spPr>
-          <a:xfrm>
-            <a:off x="1295402" y="2456919"/>
-            <a:ext cx="9601196" cy="3318936"/>
-          </a:xfrm>
-        </p:spPr>
+            <p:ph sz="half" idx="1"/>
+          </p:nvPr>
+        </p:nvSpPr>
+        <p:spPr/>
+        <p:txBody>
+          <a:bodyPr>
+            <a:normAutofit fontScale="92500" lnSpcReduction="20000"/>
+          </a:bodyPr>
+          <a:lstStyle/>
+          <a:p>
+            <a:r>
+              <a:rPr lang="en-US" sz="2800" dirty="0"/>
+              <a:t>Asia, student of law, 20 years old, lives in Italy with her parents.</a:t>
+            </a:r>
+          </a:p>
+          <a:p>
+            <a:r>
+              <a:rPr lang="en-US" sz="2800" dirty="0"/>
+              <a:t>Antonella, student of law, 21 years old, lives in Italy with her parents.</a:t>
+            </a:r>
+          </a:p>
+          <a:p>
+            <a:r>
+              <a:rPr lang="en-US" sz="2800" dirty="0"/>
+              <a:t>Francesca, student of Finance and Statistics, 23 years old lives in Italy with her family</a:t>
+            </a:r>
+          </a:p>
+        </p:txBody>
+      </p:sp>
+      <p:sp>
+        <p:nvSpPr>
+          <p:cNvPr id="4" name="Segnaposto contenuto 3">
+            <a:extLst>
+              <a:ext uri="{FF2B5EF4-FFF2-40B4-BE49-F238E27FC236}">
+                <a16:creationId xmlns:a16="http://schemas.microsoft.com/office/drawing/2014/main" id="{D681B3D6-16B7-41D7-AC94-637BE7FC9ED0}"/>
+              </a:ext>
+            </a:extLst>
+          </p:cNvPr>
+          <p:cNvSpPr>
+            <a:spLocks noGrp="1"/>
+          </p:cNvSpPr>
+          <p:nvPr>
+            <p:ph sz="half" idx="2"/>
+          </p:nvPr>
+        </p:nvSpPr>
+        <p:spPr/>
         <p:txBody>
           <a:bodyPr>
             <a:noAutofit/>
           </a:bodyPr>
           <a:lstStyle/>
           <a:p>
-            <a:pPr marL="0" indent="0">
-              <a:buNone/>
-            </a:pPr>
-            <a:r>
-              <a:rPr lang="en-GB" sz="2800" dirty="0"/>
-              <a:t>The discussion is divided into two main parts:</a:t>
-            </a:r>
-          </a:p>
-          <a:p>
-            <a:pPr marL="457200" indent="-457200">
-              <a:buFont typeface="+mj-lt"/>
-              <a:buAutoNum type="arabicPeriod"/>
-            </a:pPr>
-            <a:r>
-              <a:rPr lang="en-GB" sz="2800" dirty="0"/>
-              <a:t> first part is a </a:t>
-            </a:r>
-            <a:r>
-              <a:rPr lang="en-GB" sz="2800" u="sng" dirty="0"/>
-              <a:t>warmup</a:t>
-            </a:r>
-            <a:r>
-              <a:rPr lang="en-GB" sz="2800" dirty="0"/>
-              <a:t> where each member introduces himself to the group and answer about few questions about him habits in the kitchen. </a:t>
-            </a:r>
-          </a:p>
-          <a:p>
-            <a:pPr marL="457200" indent="-457200">
-              <a:buFont typeface="+mj-lt"/>
-              <a:buAutoNum type="arabicPeriod"/>
-            </a:pPr>
-            <a:r>
-              <a:rPr lang="en-GB" sz="2800" dirty="0"/>
-              <a:t>The second part is the debate about the service and how they think it should work.</a:t>
-            </a:r>
-            <a:endParaRPr lang="it-IT" sz="2800" dirty="0"/>
+            <a:r>
+              <a:rPr lang="en-US" sz="2600" dirty="0"/>
+              <a:t>Riccardo, books translator, is 25 years old and lives in Belgium.</a:t>
+            </a:r>
+          </a:p>
+          <a:p>
+            <a:r>
+              <a:rPr lang="en-US" sz="2600" dirty="0"/>
+              <a:t>Erika, </a:t>
+            </a:r>
+            <a:r>
+              <a:rPr lang="en-US" sz="2600" dirty="0" err="1"/>
+              <a:t>phd</a:t>
+            </a:r>
+            <a:r>
+              <a:rPr lang="en-US" sz="2600" dirty="0"/>
+              <a:t> student in </a:t>
+            </a:r>
+            <a:r>
+              <a:rPr lang="en-US" sz="2600" dirty="0" err="1"/>
+              <a:t>linguistcs</a:t>
+            </a:r>
+            <a:r>
+              <a:rPr lang="en-US" sz="2600" dirty="0"/>
+              <a:t>, is 25 years old and lives in London. </a:t>
+            </a:r>
+          </a:p>
+          <a:p>
+            <a:r>
+              <a:rPr lang="en-US" sz="2600" dirty="0"/>
+              <a:t>Nicola is the moderator</a:t>
+            </a:r>
           </a:p>
         </p:txBody>
       </p:sp>
     </p:spTree>
     <p:extLst>
       <p:ext uri="{BB962C8B-B14F-4D97-AF65-F5344CB8AC3E}">
-        <p14:creationId xmlns:p14="http://schemas.microsoft.com/office/powerpoint/2010/main" val="4019736202"/>
+        <p14:creationId xmlns:p14="http://schemas.microsoft.com/office/powerpoint/2010/main" val="1797365971"/>
       </p:ext>
     </p:extLst>
   </p:cSld>

--- a/CookWithMe.pptx
+++ b/CookWithMe.pptx
@@ -20,10 +20,11 @@
     <p:sldId id="268" r:id="rId14"/>
     <p:sldId id="269" r:id="rId15"/>
     <p:sldId id="270" r:id="rId16"/>
-    <p:sldId id="271" r:id="rId17"/>
+    <p:sldId id="276" r:id="rId17"/>
     <p:sldId id="272" r:id="rId18"/>
-    <p:sldId id="273" r:id="rId19"/>
-    <p:sldId id="264" r:id="rId20"/>
+    <p:sldId id="277" r:id="rId19"/>
+    <p:sldId id="273" r:id="rId20"/>
+    <p:sldId id="264" r:id="rId21"/>
   </p:sldIdLst>
   <p:sldSz cx="12192000" cy="6858000"/>
   <p:notesSz cx="6858000" cy="9144000"/>
@@ -9988,7 +9989,7 @@
             </a:pPr>
             <a:r>
               <a:rPr lang="en-GB" sz="3200" dirty="0"/>
-              <a:t>Filters based on recipe difficulty, time needed, price of ingredients I do not have.</a:t>
+              <a:t>Filters based on recipe difficulty, time needed, price of missing ingredients.</a:t>
             </a:r>
           </a:p>
           <a:p>
@@ -10110,7 +10111,7 @@
     </p:spTree>
     <p:extLst>
       <p:ext uri="{BB962C8B-B14F-4D97-AF65-F5344CB8AC3E}">
-        <p14:creationId xmlns:p14="http://schemas.microsoft.com/office/powerpoint/2010/main" val="3288502427"/>
+        <p14:creationId xmlns:p14="http://schemas.microsoft.com/office/powerpoint/2010/main" val="2972660474"/>
       </p:ext>
     </p:extLst>
   </p:cSld>
@@ -10238,6 +10239,142 @@
       </p:grpSpPr>
       <p:sp>
         <p:nvSpPr>
+          <p:cNvPr id="2" name="Titolo 1"/>
+          <p:cNvSpPr>
+            <a:spLocks noGrp="1"/>
+          </p:cNvSpPr>
+          <p:nvPr>
+            <p:ph type="title"/>
+          </p:nvPr>
+        </p:nvSpPr>
+        <p:spPr/>
+        <p:txBody>
+          <a:bodyPr/>
+          <a:lstStyle/>
+          <a:p>
+            <a:r>
+              <a:rPr lang="en-US" dirty="0"/>
+              <a:t>Interviews Members</a:t>
+            </a:r>
+          </a:p>
+        </p:txBody>
+      </p:sp>
+      <p:sp>
+        <p:nvSpPr>
+          <p:cNvPr id="3" name="Segnaposto contenuto 2"/>
+          <p:cNvSpPr>
+            <a:spLocks noGrp="1"/>
+          </p:cNvSpPr>
+          <p:nvPr>
+            <p:ph sz="half" idx="1"/>
+          </p:nvPr>
+        </p:nvSpPr>
+        <p:spPr/>
+        <p:txBody>
+          <a:bodyPr>
+            <a:normAutofit fontScale="92500"/>
+          </a:bodyPr>
+          <a:lstStyle/>
+          <a:p>
+            <a:r>
+              <a:rPr lang="en-US" sz="2800" dirty="0"/>
+              <a:t>Renato, student, 24 years old, lives in Italy with his housemates.</a:t>
+            </a:r>
+          </a:p>
+          <a:p>
+            <a:r>
+              <a:rPr lang="en-US" sz="2800" dirty="0"/>
+              <a:t>Giuseppe, student, 24 years old, lives in Italy with his parents.</a:t>
+            </a:r>
+          </a:p>
+          <a:p>
+            <a:r>
+              <a:rPr lang="en-US" sz="2800" dirty="0"/>
+              <a:t>Giancarlo, employee, 56 years old lives in Italy with his family</a:t>
+            </a:r>
+          </a:p>
+        </p:txBody>
+      </p:sp>
+      <p:sp>
+        <p:nvSpPr>
+          <p:cNvPr id="4" name="Segnaposto contenuto 3">
+            <a:extLst>
+              <a:ext uri="{FF2B5EF4-FFF2-40B4-BE49-F238E27FC236}">
+                <a16:creationId xmlns:a16="http://schemas.microsoft.com/office/drawing/2014/main" id="{D681B3D6-16B7-41D7-AC94-637BE7FC9ED0}"/>
+              </a:ext>
+            </a:extLst>
+          </p:cNvPr>
+          <p:cNvSpPr>
+            <a:spLocks noGrp="1"/>
+          </p:cNvSpPr>
+          <p:nvPr>
+            <p:ph sz="half" idx="2"/>
+          </p:nvPr>
+        </p:nvSpPr>
+        <p:spPr/>
+        <p:txBody>
+          <a:bodyPr>
+            <a:noAutofit/>
+          </a:bodyPr>
+          <a:lstStyle/>
+          <a:p>
+            <a:r>
+              <a:rPr lang="en-US" sz="2600" dirty="0"/>
+              <a:t>Angela, employee, 20 years old and lives with her mum.</a:t>
+            </a:r>
+          </a:p>
+          <a:p>
+            <a:r>
+              <a:rPr lang="en-US" sz="2600" dirty="0"/>
+              <a:t>Massimiliano, student, 23 years old and lives with his girlfriend. </a:t>
+            </a:r>
+          </a:p>
+          <a:p>
+            <a:r>
+              <a:rPr lang="en-US" sz="2600" dirty="0"/>
+              <a:t>Maria Rosaria, 56 healthcare worker, lives with her family.</a:t>
+            </a:r>
+          </a:p>
+          <a:p>
+            <a:r>
+              <a:rPr lang="en-US" sz="2600" dirty="0"/>
+              <a:t>Matteo is the interviewer</a:t>
+            </a:r>
+          </a:p>
+        </p:txBody>
+      </p:sp>
+    </p:spTree>
+    <p:extLst>
+      <p:ext uri="{BB962C8B-B14F-4D97-AF65-F5344CB8AC3E}">
+        <p14:creationId xmlns:p14="http://schemas.microsoft.com/office/powerpoint/2010/main" val="1635607719"/>
+      </p:ext>
+    </p:extLst>
+  </p:cSld>
+  <p:clrMapOvr>
+    <a:masterClrMapping/>
+  </p:clrMapOvr>
+</p:sld>
+</file>
+
+<file path=ppt/slides/slide18.xml><?xml version="1.0" encoding="utf-8"?>
+<p:sld xmlns:a="http://schemas.openxmlformats.org/drawingml/2006/main" xmlns:r="http://schemas.openxmlformats.org/officeDocument/2006/relationships" xmlns:p="http://schemas.openxmlformats.org/presentationml/2006/main">
+  <p:cSld>
+    <p:spTree>
+      <p:nvGrpSpPr>
+        <p:cNvPr id="1" name=""/>
+        <p:cNvGrpSpPr/>
+        <p:nvPr/>
+      </p:nvGrpSpPr>
+      <p:grpSpPr>
+        <a:xfrm>
+          <a:off x="0" y="0"/>
+          <a:ext cx="0" cy="0"/>
+          <a:chOff x="0" y="0"/>
+          <a:chExt cx="0" cy="0"/>
+        </a:xfrm>
+      </p:grpSpPr>
+      <p:sp>
+        <p:nvSpPr>
           <p:cNvPr id="2" name="Titolo 1">
             <a:extLst>
               <a:ext uri="{FF2B5EF4-FFF2-40B4-BE49-F238E27FC236}">
@@ -10318,7 +10455,7 @@
 </p:sld>
 </file>
 
-<file path=ppt/slides/slide18.xml><?xml version="1.0" encoding="utf-8"?>
+<file path=ppt/slides/slide19.xml><?xml version="1.0" encoding="utf-8"?>
 <p:sld xmlns:a="http://schemas.openxmlformats.org/drawingml/2006/main" xmlns:r="http://schemas.openxmlformats.org/officeDocument/2006/relationships" xmlns:p="http://schemas.openxmlformats.org/presentationml/2006/main">
   <p:cSld>
     <p:spTree>
